--- a/others/old/树状数组简介（旧）.pptx
+++ b/others/old/树状数组简介（旧）.pptx
@@ -209,7 +209,7 @@
           <a:p>
             <a:fld id="{C44D05D2-81BF-E34D-89C8-A93890F9EAED}" type="datetimeFigureOut">
               <a:rPr kumimoji="1" lang="zh-CN" altLang="en-US" smtClean="0"/>
-              <a:t>18/6/15</a:t>
+              <a:t>2019/7/20</a:t>
             </a:fld>
             <a:endParaRPr kumimoji="1" lang="zh-CN" altLang="en-US"/>
           </a:p>
@@ -273,38 +273,37 @@
           <a:p>
             <a:pPr lvl="0"/>
             <a:r>
-              <a:rPr kumimoji="1" lang="zh-CN" altLang="en-US" smtClean="0"/>
+              <a:rPr kumimoji="1" lang="zh-CN" altLang="en-US"/>
               <a:t>单击此处编辑母版文本样式</a:t>
             </a:r>
           </a:p>
           <a:p>
             <a:pPr lvl="1"/>
             <a:r>
-              <a:rPr kumimoji="1" lang="zh-CN" altLang="en-US" smtClean="0"/>
+              <a:rPr kumimoji="1" lang="zh-CN" altLang="en-US"/>
               <a:t>二级</a:t>
             </a:r>
           </a:p>
           <a:p>
             <a:pPr lvl="2"/>
             <a:r>
-              <a:rPr kumimoji="1" lang="zh-CN" altLang="en-US" smtClean="0"/>
+              <a:rPr kumimoji="1" lang="zh-CN" altLang="en-US"/>
               <a:t>三级</a:t>
             </a:r>
           </a:p>
           <a:p>
             <a:pPr lvl="3"/>
             <a:r>
-              <a:rPr kumimoji="1" lang="zh-CN" altLang="en-US" smtClean="0"/>
+              <a:rPr kumimoji="1" lang="zh-CN" altLang="en-US"/>
               <a:t>四级</a:t>
             </a:r>
           </a:p>
           <a:p>
             <a:pPr lvl="4"/>
             <a:r>
-              <a:rPr kumimoji="1" lang="zh-CN" altLang="en-US" smtClean="0"/>
+              <a:rPr kumimoji="1" lang="zh-CN" altLang="en-US"/>
               <a:t>五级</a:t>
             </a:r>
-            <a:endParaRPr kumimoji="1" lang="zh-CN" altLang="en-US"/>
           </a:p>
         </p:txBody>
       </p:sp>
@@ -1611,10 +1610,9 @@
           </a:lstStyle>
           <a:p>
             <a:r>
-              <a:rPr kumimoji="1" lang="zh-CN" altLang="en-US" smtClean="0"/>
+              <a:rPr kumimoji="1" lang="zh-CN" altLang="en-US"/>
               <a:t>单击此处编辑母版标题样式</a:t>
             </a:r>
-            <a:endParaRPr kumimoji="1" lang="zh-CN" altLang="en-US"/>
           </a:p>
         </p:txBody>
       </p:sp>
@@ -1676,10 +1674,9 @@
           </a:lstStyle>
           <a:p>
             <a:r>
-              <a:rPr kumimoji="1" lang="zh-CN" altLang="en-US" smtClean="0"/>
+              <a:rPr kumimoji="1" lang="zh-CN" altLang="en-US"/>
               <a:t>单击此处编辑母版副标题样式</a:t>
             </a:r>
-            <a:endParaRPr kumimoji="1" lang="zh-CN" altLang="en-US"/>
           </a:p>
         </p:txBody>
       </p:sp>
@@ -1700,7 +1697,7 @@
           <a:p>
             <a:fld id="{EDB18249-D21F-984B-B610-39EB52983405}" type="datetimeFigureOut">
               <a:rPr kumimoji="1" lang="zh-CN" altLang="en-US" smtClean="0"/>
-              <a:t>18/6/15</a:t>
+              <a:t>2019/7/20</a:t>
             </a:fld>
             <a:endParaRPr kumimoji="1" lang="zh-CN" altLang="en-US"/>
           </a:p>
@@ -1794,10 +1791,9 @@
           <a:lstStyle/>
           <a:p>
             <a:r>
-              <a:rPr kumimoji="1" lang="zh-CN" altLang="en-US" smtClean="0"/>
+              <a:rPr kumimoji="1" lang="zh-CN" altLang="en-US"/>
               <a:t>单击此处编辑母版标题样式</a:t>
             </a:r>
-            <a:endParaRPr kumimoji="1" lang="zh-CN" altLang="en-US"/>
           </a:p>
         </p:txBody>
       </p:sp>
@@ -1818,38 +1814,37 @@
           <a:p>
             <a:pPr lvl="0"/>
             <a:r>
-              <a:rPr kumimoji="1" lang="zh-CN" altLang="en-US" smtClean="0"/>
+              <a:rPr kumimoji="1" lang="zh-CN" altLang="en-US"/>
               <a:t>单击此处编辑母版文本样式</a:t>
             </a:r>
           </a:p>
           <a:p>
             <a:pPr lvl="1"/>
             <a:r>
-              <a:rPr kumimoji="1" lang="zh-CN" altLang="en-US" smtClean="0"/>
+              <a:rPr kumimoji="1" lang="zh-CN" altLang="en-US"/>
               <a:t>二级</a:t>
             </a:r>
           </a:p>
           <a:p>
             <a:pPr lvl="2"/>
             <a:r>
-              <a:rPr kumimoji="1" lang="zh-CN" altLang="en-US" smtClean="0"/>
+              <a:rPr kumimoji="1" lang="zh-CN" altLang="en-US"/>
               <a:t>三级</a:t>
             </a:r>
           </a:p>
           <a:p>
             <a:pPr lvl="3"/>
             <a:r>
-              <a:rPr kumimoji="1" lang="zh-CN" altLang="en-US" smtClean="0"/>
+              <a:rPr kumimoji="1" lang="zh-CN" altLang="en-US"/>
               <a:t>四级</a:t>
             </a:r>
           </a:p>
           <a:p>
             <a:pPr lvl="4"/>
             <a:r>
-              <a:rPr kumimoji="1" lang="zh-CN" altLang="en-US" smtClean="0"/>
+              <a:rPr kumimoji="1" lang="zh-CN" altLang="en-US"/>
               <a:t>五级</a:t>
             </a:r>
-            <a:endParaRPr kumimoji="1" lang="zh-CN" altLang="en-US"/>
           </a:p>
         </p:txBody>
       </p:sp>
@@ -1870,7 +1865,7 @@
           <a:p>
             <a:fld id="{EDB18249-D21F-984B-B610-39EB52983405}" type="datetimeFigureOut">
               <a:rPr kumimoji="1" lang="zh-CN" altLang="en-US" smtClean="0"/>
-              <a:t>18/6/15</a:t>
+              <a:t>2019/7/20</a:t>
             </a:fld>
             <a:endParaRPr kumimoji="1" lang="zh-CN" altLang="en-US"/>
           </a:p>
@@ -1969,10 +1964,9 @@
           <a:lstStyle/>
           <a:p>
             <a:r>
-              <a:rPr kumimoji="1" lang="zh-CN" altLang="en-US" smtClean="0"/>
+              <a:rPr kumimoji="1" lang="zh-CN" altLang="en-US"/>
               <a:t>单击此处编辑母版标题样式</a:t>
             </a:r>
-            <a:endParaRPr kumimoji="1" lang="zh-CN" altLang="en-US"/>
           </a:p>
         </p:txBody>
       </p:sp>
@@ -1998,38 +1992,37 @@
           <a:p>
             <a:pPr lvl="0"/>
             <a:r>
-              <a:rPr kumimoji="1" lang="zh-CN" altLang="en-US" smtClean="0"/>
+              <a:rPr kumimoji="1" lang="zh-CN" altLang="en-US"/>
               <a:t>单击此处编辑母版文本样式</a:t>
             </a:r>
           </a:p>
           <a:p>
             <a:pPr lvl="1"/>
             <a:r>
-              <a:rPr kumimoji="1" lang="zh-CN" altLang="en-US" smtClean="0"/>
+              <a:rPr kumimoji="1" lang="zh-CN" altLang="en-US"/>
               <a:t>二级</a:t>
             </a:r>
           </a:p>
           <a:p>
             <a:pPr lvl="2"/>
             <a:r>
-              <a:rPr kumimoji="1" lang="zh-CN" altLang="en-US" smtClean="0"/>
+              <a:rPr kumimoji="1" lang="zh-CN" altLang="en-US"/>
               <a:t>三级</a:t>
             </a:r>
           </a:p>
           <a:p>
             <a:pPr lvl="3"/>
             <a:r>
-              <a:rPr kumimoji="1" lang="zh-CN" altLang="en-US" smtClean="0"/>
+              <a:rPr kumimoji="1" lang="zh-CN" altLang="en-US"/>
               <a:t>四级</a:t>
             </a:r>
           </a:p>
           <a:p>
             <a:pPr lvl="4"/>
             <a:r>
-              <a:rPr kumimoji="1" lang="zh-CN" altLang="en-US" smtClean="0"/>
+              <a:rPr kumimoji="1" lang="zh-CN" altLang="en-US"/>
               <a:t>五级</a:t>
             </a:r>
-            <a:endParaRPr kumimoji="1" lang="zh-CN" altLang="en-US"/>
           </a:p>
         </p:txBody>
       </p:sp>
@@ -2050,7 +2043,7 @@
           <a:p>
             <a:fld id="{EDB18249-D21F-984B-B610-39EB52983405}" type="datetimeFigureOut">
               <a:rPr kumimoji="1" lang="zh-CN" altLang="en-US" smtClean="0"/>
-              <a:t>18/6/15</a:t>
+              <a:t>2019/7/20</a:t>
             </a:fld>
             <a:endParaRPr kumimoji="1" lang="zh-CN" altLang="en-US"/>
           </a:p>
@@ -2138,13 +2131,6 @@
   <p:clrMapOvr>
     <a:masterClrMapping/>
   </p:clrMapOvr>
-  <p:timing>
-    <p:tnLst>
-      <p:par>
-        <p:cTn id="1" dur="indefinite" restart="never" nodeType="tmRoot"/>
-      </p:par>
-    </p:tnLst>
-  </p:timing>
 </p:sldLayout>
 </file>
 
@@ -2181,10 +2167,9 @@
           <a:lstStyle/>
           <a:p>
             <a:r>
-              <a:rPr kumimoji="1" lang="zh-CN" altLang="en-US" smtClean="0"/>
+              <a:rPr kumimoji="1" lang="zh-CN" altLang="en-US"/>
               <a:t>单击此处编辑母版标题样式</a:t>
             </a:r>
-            <a:endParaRPr kumimoji="1" lang="zh-CN" altLang="en-US"/>
           </a:p>
         </p:txBody>
       </p:sp>
@@ -2205,38 +2190,37 @@
           <a:p>
             <a:pPr lvl="0"/>
             <a:r>
-              <a:rPr kumimoji="1" lang="zh-CN" altLang="en-US" smtClean="0"/>
+              <a:rPr kumimoji="1" lang="zh-CN" altLang="en-US"/>
               <a:t>单击此处编辑母版文本样式</a:t>
             </a:r>
           </a:p>
           <a:p>
             <a:pPr lvl="1"/>
             <a:r>
-              <a:rPr kumimoji="1" lang="zh-CN" altLang="en-US" smtClean="0"/>
+              <a:rPr kumimoji="1" lang="zh-CN" altLang="en-US"/>
               <a:t>二级</a:t>
             </a:r>
           </a:p>
           <a:p>
             <a:pPr lvl="2"/>
             <a:r>
-              <a:rPr kumimoji="1" lang="zh-CN" altLang="en-US" smtClean="0"/>
+              <a:rPr kumimoji="1" lang="zh-CN" altLang="en-US"/>
               <a:t>三级</a:t>
             </a:r>
           </a:p>
           <a:p>
             <a:pPr lvl="3"/>
             <a:r>
-              <a:rPr kumimoji="1" lang="zh-CN" altLang="en-US" smtClean="0"/>
+              <a:rPr kumimoji="1" lang="zh-CN" altLang="en-US"/>
               <a:t>四级</a:t>
             </a:r>
           </a:p>
           <a:p>
             <a:pPr lvl="4"/>
             <a:r>
-              <a:rPr kumimoji="1" lang="zh-CN" altLang="en-US" smtClean="0"/>
+              <a:rPr kumimoji="1" lang="zh-CN" altLang="en-US"/>
               <a:t>五级</a:t>
             </a:r>
-            <a:endParaRPr kumimoji="1" lang="zh-CN" altLang="en-US"/>
           </a:p>
         </p:txBody>
       </p:sp>
@@ -2257,7 +2241,7 @@
           <a:p>
             <a:fld id="{EDB18249-D21F-984B-B610-39EB52983405}" type="datetimeFigureOut">
               <a:rPr kumimoji="1" lang="zh-CN" altLang="en-US" smtClean="0"/>
-              <a:t>18/6/15</a:t>
+              <a:t>2019/7/20</a:t>
             </a:fld>
             <a:endParaRPr kumimoji="1" lang="zh-CN" altLang="en-US"/>
           </a:p>
@@ -2360,10 +2344,9 @@
           </a:lstStyle>
           <a:p>
             <a:r>
-              <a:rPr kumimoji="1" lang="zh-CN" altLang="en-US" smtClean="0"/>
+              <a:rPr kumimoji="1" lang="zh-CN" altLang="en-US"/>
               <a:t>单击此处编辑母版标题样式</a:t>
             </a:r>
-            <a:endParaRPr kumimoji="1" lang="zh-CN" altLang="en-US"/>
           </a:p>
         </p:txBody>
       </p:sp>
@@ -2480,7 +2463,7 @@
           <a:p>
             <a:pPr lvl="0"/>
             <a:r>
-              <a:rPr kumimoji="1" lang="zh-CN" altLang="en-US" smtClean="0"/>
+              <a:rPr kumimoji="1" lang="zh-CN" altLang="en-US"/>
               <a:t>单击此处编辑母版文本样式</a:t>
             </a:r>
           </a:p>
@@ -2503,7 +2486,7 @@
           <a:p>
             <a:fld id="{EDB18249-D21F-984B-B610-39EB52983405}" type="datetimeFigureOut">
               <a:rPr kumimoji="1" lang="zh-CN" altLang="en-US" smtClean="0"/>
-              <a:t>18/6/15</a:t>
+              <a:t>2019/7/20</a:t>
             </a:fld>
             <a:endParaRPr kumimoji="1" lang="zh-CN" altLang="en-US"/>
           </a:p>
@@ -2597,10 +2580,9 @@
           <a:lstStyle/>
           <a:p>
             <a:r>
-              <a:rPr kumimoji="1" lang="zh-CN" altLang="en-US" smtClean="0"/>
+              <a:rPr kumimoji="1" lang="zh-CN" altLang="en-US"/>
               <a:t>单击此处编辑母版标题样式</a:t>
             </a:r>
-            <a:endParaRPr kumimoji="1" lang="zh-CN" altLang="en-US"/>
           </a:p>
         </p:txBody>
       </p:sp>
@@ -2626,38 +2608,37 @@
           <a:p>
             <a:pPr lvl="0"/>
             <a:r>
-              <a:rPr kumimoji="1" lang="zh-CN" altLang="en-US" smtClean="0"/>
+              <a:rPr kumimoji="1" lang="zh-CN" altLang="en-US"/>
               <a:t>单击此处编辑母版文本样式</a:t>
             </a:r>
           </a:p>
           <a:p>
             <a:pPr lvl="1"/>
             <a:r>
-              <a:rPr kumimoji="1" lang="zh-CN" altLang="en-US" smtClean="0"/>
+              <a:rPr kumimoji="1" lang="zh-CN" altLang="en-US"/>
               <a:t>二级</a:t>
             </a:r>
           </a:p>
           <a:p>
             <a:pPr lvl="2"/>
             <a:r>
-              <a:rPr kumimoji="1" lang="zh-CN" altLang="en-US" smtClean="0"/>
+              <a:rPr kumimoji="1" lang="zh-CN" altLang="en-US"/>
               <a:t>三级</a:t>
             </a:r>
           </a:p>
           <a:p>
             <a:pPr lvl="3"/>
             <a:r>
-              <a:rPr kumimoji="1" lang="zh-CN" altLang="en-US" smtClean="0"/>
+              <a:rPr kumimoji="1" lang="zh-CN" altLang="en-US"/>
               <a:t>四级</a:t>
             </a:r>
           </a:p>
           <a:p>
             <a:pPr lvl="4"/>
             <a:r>
-              <a:rPr kumimoji="1" lang="zh-CN" altLang="en-US" smtClean="0"/>
+              <a:rPr kumimoji="1" lang="zh-CN" altLang="en-US"/>
               <a:t>五级</a:t>
             </a:r>
-            <a:endParaRPr kumimoji="1" lang="zh-CN" altLang="en-US"/>
           </a:p>
         </p:txBody>
       </p:sp>
@@ -2683,38 +2664,37 @@
           <a:p>
             <a:pPr lvl="0"/>
             <a:r>
-              <a:rPr kumimoji="1" lang="zh-CN" altLang="en-US" smtClean="0"/>
+              <a:rPr kumimoji="1" lang="zh-CN" altLang="en-US"/>
               <a:t>单击此处编辑母版文本样式</a:t>
             </a:r>
           </a:p>
           <a:p>
             <a:pPr lvl="1"/>
             <a:r>
-              <a:rPr kumimoji="1" lang="zh-CN" altLang="en-US" smtClean="0"/>
+              <a:rPr kumimoji="1" lang="zh-CN" altLang="en-US"/>
               <a:t>二级</a:t>
             </a:r>
           </a:p>
           <a:p>
             <a:pPr lvl="2"/>
             <a:r>
-              <a:rPr kumimoji="1" lang="zh-CN" altLang="en-US" smtClean="0"/>
+              <a:rPr kumimoji="1" lang="zh-CN" altLang="en-US"/>
               <a:t>三级</a:t>
             </a:r>
           </a:p>
           <a:p>
             <a:pPr lvl="3"/>
             <a:r>
-              <a:rPr kumimoji="1" lang="zh-CN" altLang="en-US" smtClean="0"/>
+              <a:rPr kumimoji="1" lang="zh-CN" altLang="en-US"/>
               <a:t>四级</a:t>
             </a:r>
           </a:p>
           <a:p>
             <a:pPr lvl="4"/>
             <a:r>
-              <a:rPr kumimoji="1" lang="zh-CN" altLang="en-US" smtClean="0"/>
+              <a:rPr kumimoji="1" lang="zh-CN" altLang="en-US"/>
               <a:t>五级</a:t>
             </a:r>
-            <a:endParaRPr kumimoji="1" lang="zh-CN" altLang="en-US"/>
           </a:p>
         </p:txBody>
       </p:sp>
@@ -2735,7 +2715,7 @@
           <a:p>
             <a:fld id="{EDB18249-D21F-984B-B610-39EB52983405}" type="datetimeFigureOut">
               <a:rPr kumimoji="1" lang="zh-CN" altLang="en-US" smtClean="0"/>
-              <a:t>18/6/15</a:t>
+              <a:t>2019/7/20</a:t>
             </a:fld>
             <a:endParaRPr kumimoji="1" lang="zh-CN" altLang="en-US"/>
           </a:p>
@@ -2834,10 +2814,9 @@
           <a:lstStyle/>
           <a:p>
             <a:r>
-              <a:rPr kumimoji="1" lang="zh-CN" altLang="en-US" smtClean="0"/>
+              <a:rPr kumimoji="1" lang="zh-CN" altLang="en-US"/>
               <a:t>单击此处编辑母版标题样式</a:t>
             </a:r>
-            <a:endParaRPr kumimoji="1" lang="zh-CN" altLang="en-US"/>
           </a:p>
         </p:txBody>
       </p:sp>
@@ -2900,7 +2879,7 @@
           <a:p>
             <a:pPr lvl="0"/>
             <a:r>
-              <a:rPr kumimoji="1" lang="zh-CN" altLang="en-US" smtClean="0"/>
+              <a:rPr kumimoji="1" lang="zh-CN" altLang="en-US"/>
               <a:t>单击此处编辑母版文本样式</a:t>
             </a:r>
           </a:p>
@@ -2928,38 +2907,37 @@
           <a:p>
             <a:pPr lvl="0"/>
             <a:r>
-              <a:rPr kumimoji="1" lang="zh-CN" altLang="en-US" smtClean="0"/>
+              <a:rPr kumimoji="1" lang="zh-CN" altLang="en-US"/>
               <a:t>单击此处编辑母版文本样式</a:t>
             </a:r>
           </a:p>
           <a:p>
             <a:pPr lvl="1"/>
             <a:r>
-              <a:rPr kumimoji="1" lang="zh-CN" altLang="en-US" smtClean="0"/>
+              <a:rPr kumimoji="1" lang="zh-CN" altLang="en-US"/>
               <a:t>二级</a:t>
             </a:r>
           </a:p>
           <a:p>
             <a:pPr lvl="2"/>
             <a:r>
-              <a:rPr kumimoji="1" lang="zh-CN" altLang="en-US" smtClean="0"/>
+              <a:rPr kumimoji="1" lang="zh-CN" altLang="en-US"/>
               <a:t>三级</a:t>
             </a:r>
           </a:p>
           <a:p>
             <a:pPr lvl="3"/>
             <a:r>
-              <a:rPr kumimoji="1" lang="zh-CN" altLang="en-US" smtClean="0"/>
+              <a:rPr kumimoji="1" lang="zh-CN" altLang="en-US"/>
               <a:t>四级</a:t>
             </a:r>
           </a:p>
           <a:p>
             <a:pPr lvl="4"/>
             <a:r>
-              <a:rPr kumimoji="1" lang="zh-CN" altLang="en-US" smtClean="0"/>
+              <a:rPr kumimoji="1" lang="zh-CN" altLang="en-US"/>
               <a:t>五级</a:t>
             </a:r>
-            <a:endParaRPr kumimoji="1" lang="zh-CN" altLang="en-US"/>
           </a:p>
         </p:txBody>
       </p:sp>
@@ -3022,7 +3000,7 @@
           <a:p>
             <a:pPr lvl="0"/>
             <a:r>
-              <a:rPr kumimoji="1" lang="zh-CN" altLang="en-US" smtClean="0"/>
+              <a:rPr kumimoji="1" lang="zh-CN" altLang="en-US"/>
               <a:t>单击此处编辑母版文本样式</a:t>
             </a:r>
           </a:p>
@@ -3050,38 +3028,37 @@
           <a:p>
             <a:pPr lvl="0"/>
             <a:r>
-              <a:rPr kumimoji="1" lang="zh-CN" altLang="en-US" smtClean="0"/>
+              <a:rPr kumimoji="1" lang="zh-CN" altLang="en-US"/>
               <a:t>单击此处编辑母版文本样式</a:t>
             </a:r>
           </a:p>
           <a:p>
             <a:pPr lvl="1"/>
             <a:r>
-              <a:rPr kumimoji="1" lang="zh-CN" altLang="en-US" smtClean="0"/>
+              <a:rPr kumimoji="1" lang="zh-CN" altLang="en-US"/>
               <a:t>二级</a:t>
             </a:r>
           </a:p>
           <a:p>
             <a:pPr lvl="2"/>
             <a:r>
-              <a:rPr kumimoji="1" lang="zh-CN" altLang="en-US" smtClean="0"/>
+              <a:rPr kumimoji="1" lang="zh-CN" altLang="en-US"/>
               <a:t>三级</a:t>
             </a:r>
           </a:p>
           <a:p>
             <a:pPr lvl="3"/>
             <a:r>
-              <a:rPr kumimoji="1" lang="zh-CN" altLang="en-US" smtClean="0"/>
+              <a:rPr kumimoji="1" lang="zh-CN" altLang="en-US"/>
               <a:t>四级</a:t>
             </a:r>
           </a:p>
           <a:p>
             <a:pPr lvl="4"/>
             <a:r>
-              <a:rPr kumimoji="1" lang="zh-CN" altLang="en-US" smtClean="0"/>
+              <a:rPr kumimoji="1" lang="zh-CN" altLang="en-US"/>
               <a:t>五级</a:t>
             </a:r>
-            <a:endParaRPr kumimoji="1" lang="zh-CN" altLang="en-US"/>
           </a:p>
         </p:txBody>
       </p:sp>
@@ -3102,7 +3079,7 @@
           <a:p>
             <a:fld id="{EDB18249-D21F-984B-B610-39EB52983405}" type="datetimeFigureOut">
               <a:rPr kumimoji="1" lang="zh-CN" altLang="en-US" smtClean="0"/>
-              <a:t>18/6/15</a:t>
+              <a:t>2019/7/20</a:t>
             </a:fld>
             <a:endParaRPr kumimoji="1" lang="zh-CN" altLang="en-US"/>
           </a:p>
@@ -3196,10 +3173,9 @@
           <a:lstStyle/>
           <a:p>
             <a:r>
-              <a:rPr kumimoji="1" lang="zh-CN" altLang="en-US" smtClean="0"/>
+              <a:rPr kumimoji="1" lang="zh-CN" altLang="en-US"/>
               <a:t>单击此处编辑母版标题样式</a:t>
             </a:r>
-            <a:endParaRPr kumimoji="1" lang="zh-CN" altLang="en-US"/>
           </a:p>
         </p:txBody>
       </p:sp>
@@ -3220,7 +3196,7 @@
           <a:p>
             <a:fld id="{EDB18249-D21F-984B-B610-39EB52983405}" type="datetimeFigureOut">
               <a:rPr kumimoji="1" lang="zh-CN" altLang="en-US" smtClean="0"/>
-              <a:t>18/6/15</a:t>
+              <a:t>2019/7/20</a:t>
             </a:fld>
             <a:endParaRPr kumimoji="1" lang="zh-CN" altLang="en-US"/>
           </a:p>
@@ -3315,7 +3291,7 @@
           <a:p>
             <a:fld id="{EDB18249-D21F-984B-B610-39EB52983405}" type="datetimeFigureOut">
               <a:rPr kumimoji="1" lang="zh-CN" altLang="en-US" smtClean="0"/>
-              <a:t>18/6/15</a:t>
+              <a:t>2019/7/20</a:t>
             </a:fld>
             <a:endParaRPr kumimoji="1" lang="zh-CN" altLang="en-US"/>
           </a:p>
@@ -3418,10 +3394,9 @@
           </a:lstStyle>
           <a:p>
             <a:r>
-              <a:rPr kumimoji="1" lang="zh-CN" altLang="en-US" smtClean="0"/>
+              <a:rPr kumimoji="1" lang="zh-CN" altLang="en-US"/>
               <a:t>单击此处编辑母版标题样式</a:t>
             </a:r>
-            <a:endParaRPr kumimoji="1" lang="zh-CN" altLang="en-US"/>
           </a:p>
         </p:txBody>
       </p:sp>
@@ -3475,38 +3450,37 @@
           <a:p>
             <a:pPr lvl="0"/>
             <a:r>
-              <a:rPr kumimoji="1" lang="zh-CN" altLang="en-US" smtClean="0"/>
+              <a:rPr kumimoji="1" lang="zh-CN" altLang="en-US"/>
               <a:t>单击此处编辑母版文本样式</a:t>
             </a:r>
           </a:p>
           <a:p>
             <a:pPr lvl="1"/>
             <a:r>
-              <a:rPr kumimoji="1" lang="zh-CN" altLang="en-US" smtClean="0"/>
+              <a:rPr kumimoji="1" lang="zh-CN" altLang="en-US"/>
               <a:t>二级</a:t>
             </a:r>
           </a:p>
           <a:p>
             <a:pPr lvl="2"/>
             <a:r>
-              <a:rPr kumimoji="1" lang="zh-CN" altLang="en-US" smtClean="0"/>
+              <a:rPr kumimoji="1" lang="zh-CN" altLang="en-US"/>
               <a:t>三级</a:t>
             </a:r>
           </a:p>
           <a:p>
             <a:pPr lvl="3"/>
             <a:r>
-              <a:rPr kumimoji="1" lang="zh-CN" altLang="en-US" smtClean="0"/>
+              <a:rPr kumimoji="1" lang="zh-CN" altLang="en-US"/>
               <a:t>四级</a:t>
             </a:r>
           </a:p>
           <a:p>
             <a:pPr lvl="4"/>
             <a:r>
-              <a:rPr kumimoji="1" lang="zh-CN" altLang="en-US" smtClean="0"/>
+              <a:rPr kumimoji="1" lang="zh-CN" altLang="en-US"/>
               <a:t>五级</a:t>
             </a:r>
-            <a:endParaRPr kumimoji="1" lang="zh-CN" altLang="en-US"/>
           </a:p>
         </p:txBody>
       </p:sp>
@@ -3569,7 +3543,7 @@
           <a:p>
             <a:pPr lvl="0"/>
             <a:r>
-              <a:rPr kumimoji="1" lang="zh-CN" altLang="en-US" smtClean="0"/>
+              <a:rPr kumimoji="1" lang="zh-CN" altLang="en-US"/>
               <a:t>单击此处编辑母版文本样式</a:t>
             </a:r>
           </a:p>
@@ -3592,7 +3566,7 @@
           <a:p>
             <a:fld id="{EDB18249-D21F-984B-B610-39EB52983405}" type="datetimeFigureOut">
               <a:rPr kumimoji="1" lang="zh-CN" altLang="en-US" smtClean="0"/>
-              <a:t>18/6/15</a:t>
+              <a:t>2019/7/20</a:t>
             </a:fld>
             <a:endParaRPr kumimoji="1" lang="zh-CN" altLang="en-US"/>
           </a:p>
@@ -3695,10 +3669,9 @@
           </a:lstStyle>
           <a:p>
             <a:r>
-              <a:rPr kumimoji="1" lang="zh-CN" altLang="en-US" smtClean="0"/>
+              <a:rPr kumimoji="1" lang="zh-CN" altLang="en-US"/>
               <a:t>单击此处编辑母版标题样式</a:t>
             </a:r>
-            <a:endParaRPr kumimoji="1" lang="zh-CN" altLang="en-US"/>
           </a:p>
         </p:txBody>
       </p:sp>
@@ -3822,7 +3795,7 @@
           <a:p>
             <a:pPr lvl="0"/>
             <a:r>
-              <a:rPr kumimoji="1" lang="zh-CN" altLang="en-US" smtClean="0"/>
+              <a:rPr kumimoji="1" lang="zh-CN" altLang="en-US"/>
               <a:t>单击此处编辑母版文本样式</a:t>
             </a:r>
           </a:p>
@@ -3845,7 +3818,7 @@
           <a:p>
             <a:fld id="{EDB18249-D21F-984B-B610-39EB52983405}" type="datetimeFigureOut">
               <a:rPr kumimoji="1" lang="zh-CN" altLang="en-US" smtClean="0"/>
-              <a:t>18/6/15</a:t>
+              <a:t>2019/7/20</a:t>
             </a:fld>
             <a:endParaRPr kumimoji="1" lang="zh-CN" altLang="en-US"/>
           </a:p>
@@ -3954,10 +3927,9 @@
           <a:lstStyle/>
           <a:p>
             <a:r>
-              <a:rPr kumimoji="1" lang="zh-CN" altLang="en-US" smtClean="0"/>
+              <a:rPr kumimoji="1" lang="zh-CN" altLang="en-US"/>
               <a:t>单击此处编辑母版标题样式</a:t>
             </a:r>
-            <a:endParaRPr kumimoji="1" lang="zh-CN" altLang="en-US"/>
           </a:p>
         </p:txBody>
       </p:sp>
@@ -3988,38 +3960,37 @@
           <a:p>
             <a:pPr lvl="0"/>
             <a:r>
-              <a:rPr kumimoji="1" lang="zh-CN" altLang="en-US" smtClean="0"/>
+              <a:rPr kumimoji="1" lang="zh-CN" altLang="en-US"/>
               <a:t>单击此处编辑母版文本样式</a:t>
             </a:r>
           </a:p>
           <a:p>
             <a:pPr lvl="1"/>
             <a:r>
-              <a:rPr kumimoji="1" lang="zh-CN" altLang="en-US" smtClean="0"/>
+              <a:rPr kumimoji="1" lang="zh-CN" altLang="en-US"/>
               <a:t>二级</a:t>
             </a:r>
           </a:p>
           <a:p>
             <a:pPr lvl="2"/>
             <a:r>
-              <a:rPr kumimoji="1" lang="zh-CN" altLang="en-US" smtClean="0"/>
+              <a:rPr kumimoji="1" lang="zh-CN" altLang="en-US"/>
               <a:t>三级</a:t>
             </a:r>
           </a:p>
           <a:p>
             <a:pPr lvl="3"/>
             <a:r>
-              <a:rPr kumimoji="1" lang="zh-CN" altLang="en-US" smtClean="0"/>
+              <a:rPr kumimoji="1" lang="zh-CN" altLang="en-US"/>
               <a:t>四级</a:t>
             </a:r>
           </a:p>
           <a:p>
             <a:pPr lvl="4"/>
             <a:r>
-              <a:rPr kumimoji="1" lang="zh-CN" altLang="en-US" smtClean="0"/>
+              <a:rPr kumimoji="1" lang="zh-CN" altLang="en-US"/>
               <a:t>五级</a:t>
             </a:r>
-            <a:endParaRPr kumimoji="1" lang="zh-CN" altLang="en-US"/>
           </a:p>
         </p:txBody>
       </p:sp>
@@ -4058,7 +4029,7 @@
           <a:p>
             <a:fld id="{EDB18249-D21F-984B-B610-39EB52983405}" type="datetimeFigureOut">
               <a:rPr kumimoji="1" lang="zh-CN" altLang="en-US" smtClean="0"/>
-              <a:t>18/6/15</a:t>
+              <a:t>2019/7/20</a:t>
             </a:fld>
             <a:endParaRPr kumimoji="1" lang="zh-CN" altLang="en-US"/>
           </a:p>
@@ -4522,44 +4493,26 @@
           <a:lstStyle/>
           <a:p>
             <a:r>
-              <a:rPr kumimoji="1" lang="zh-CN" altLang="en-US" sz="2400" dirty="0" smtClean="0">
+              <a:rPr kumimoji="1" lang="zh-CN" altLang="en-US" sz="2400" dirty="0">
                 <a:latin typeface="Times New Roman" charset="0"/>
                 <a:ea typeface="黑体" charset="-122"/>
               </a:rPr>
-              <a:t>树状数组</a:t>
-            </a:r>
-            <a:r>
-              <a:rPr kumimoji="1" lang="zh-CN" altLang="en-US" sz="2400" dirty="0" smtClean="0">
+              <a:t>树状数组简介（</a:t>
+            </a:r>
+            <a:r>
+              <a:rPr kumimoji="1" lang="en-US" altLang="zh-CN" sz="2400" dirty="0">
                 <a:latin typeface="Times New Roman" charset="0"/>
                 <a:ea typeface="黑体" charset="-122"/>
               </a:rPr>
-              <a:t>简介</a:t>
-            </a:r>
-            <a:r>
-              <a:rPr kumimoji="1" lang="zh-CN" altLang="en-US" sz="2400" dirty="0" smtClean="0">
+              <a:t>1</a:t>
+            </a:r>
+            <a:r>
+              <a:rPr kumimoji="1" lang="zh-CN" altLang="en-US" sz="2400" dirty="0">
                 <a:latin typeface="Times New Roman" charset="0"/>
                 <a:ea typeface="黑体" charset="-122"/>
               </a:rPr>
-              <a:t>（</a:t>
-            </a:r>
-            <a:r>
-              <a:rPr kumimoji="1" lang="en-US" altLang="zh-CN" sz="2400" dirty="0">
-                <a:latin typeface="Times New Roman" charset="0"/>
-                <a:ea typeface="黑体" charset="-122"/>
-              </a:rPr>
-              <a:t>1</a:t>
-            </a:r>
-            <a:r>
-              <a:rPr kumimoji="1" lang="zh-CN" altLang="en-US" sz="2400" dirty="0" smtClean="0">
-                <a:latin typeface="Times New Roman" charset="0"/>
-                <a:ea typeface="黑体" charset="-122"/>
-              </a:rPr>
               <a:t>）</a:t>
             </a:r>
-            <a:endParaRPr kumimoji="1" lang="zh-CN" altLang="en-US" sz="2400" dirty="0">
-              <a:latin typeface="Times New Roman" charset="0"/>
-              <a:ea typeface="黑体" charset="-122"/>
-            </a:endParaRPr>
           </a:p>
         </p:txBody>
       </p:sp>
@@ -4597,13 +4550,6 @@
   <p:clrMapOvr>
     <a:masterClrMapping/>
   </p:clrMapOvr>
-  <p:timing>
-    <p:tnLst>
-      <p:par>
-        <p:cTn id="1" dur="indefinite" restart="never" nodeType="tmRoot"/>
-      </p:par>
-    </p:tnLst>
-  </p:timing>
 </p:sld>
 </file>
 
@@ -4649,9 +4595,27 @@
                 <a:tableStyleId>{93296810-A885-4BE3-A3E7-6D5BEEA58F35}</a:tableStyleId>
               </a:tblPr>
               <a:tblGrid>
-                <a:gridCol w="1527229"/>
-                <a:gridCol w="6951752"/>
-                <a:gridCol w="2315690"/>
+                <a:gridCol w="1527229">
+                  <a:extLst>
+                    <a:ext uri="{9D8B030D-6E8A-4147-A177-3AD203B41FA5}">
+                      <a16:colId xmlns:a16="http://schemas.microsoft.com/office/drawing/2014/main" val="20000"/>
+                    </a:ext>
+                  </a:extLst>
+                </a:gridCol>
+                <a:gridCol w="6951752">
+                  <a:extLst>
+                    <a:ext uri="{9D8B030D-6E8A-4147-A177-3AD203B41FA5}">
+                      <a16:colId xmlns:a16="http://schemas.microsoft.com/office/drawing/2014/main" val="20001"/>
+                    </a:ext>
+                  </a:extLst>
+                </a:gridCol>
+                <a:gridCol w="2315690">
+                  <a:extLst>
+                    <a:ext uri="{9D8B030D-6E8A-4147-A177-3AD203B41FA5}">
+                      <a16:colId xmlns:a16="http://schemas.microsoft.com/office/drawing/2014/main" val="20002"/>
+                    </a:ext>
+                  </a:extLst>
+                </a:gridCol>
               </a:tblGrid>
               <a:tr h="973776">
                 <a:tc>
@@ -4682,12 +4646,6 @@
                         </a:rPr>
                         <a:t> C </a:t>
                       </a:r>
-                      <a:endParaRPr lang="en-US" sz="2000" kern="100" baseline="0" dirty="0" smtClean="0">
-                        <a:effectLst/>
-                        <a:latin typeface="Times New Roman" charset="0"/>
-                        <a:ea typeface="楷体" charset="-122"/>
-                        <a:cs typeface="KaiTi" charset="-122"/>
-                      </a:endParaRPr>
                     </a:p>
                     <a:p>
                       <a:pPr algn="ctr">
@@ -4696,22 +4654,13 @@
                         </a:spcAft>
                       </a:pPr>
                       <a:r>
-                        <a:rPr lang="zh-CN" sz="2000" kern="100" baseline="0" dirty="0" smtClean="0">
-                          <a:effectLst/>
-                          <a:latin typeface="Times New Roman" charset="0"/>
-                          <a:ea typeface="楷体" charset="-122"/>
-                          <a:cs typeface="KaiTi" charset="-122"/>
-                        </a:rPr>
-                        <a:t>的</a:t>
-                      </a:r>
-                      <a:r>
                         <a:rPr lang="zh-CN" sz="2000" kern="100" baseline="0" dirty="0">
                           <a:effectLst/>
                           <a:latin typeface="Times New Roman" charset="0"/>
                           <a:ea typeface="楷体" charset="-122"/>
                           <a:cs typeface="KaiTi" charset="-122"/>
                         </a:rPr>
-                        <a:t>索引</a:t>
+                        <a:t>的索引</a:t>
                       </a:r>
                       <a:r>
                         <a:rPr lang="en-US" sz="2000" kern="100" baseline="0" dirty="0">
@@ -4776,25 +4725,7 @@
                           <a:ea typeface="楷体" charset="-122"/>
                           <a:cs typeface="KaiTi" charset="-122"/>
                         </a:rPr>
-                        <a:t>的和定义</a:t>
-                      </a:r>
-                      <a:r>
-                        <a:rPr lang="zh-CN" sz="2000" kern="100" baseline="0" dirty="0" smtClean="0">
-                          <a:effectLst/>
-                          <a:latin typeface="Times New Roman" charset="0"/>
-                          <a:ea typeface="楷体" charset="-122"/>
-                          <a:cs typeface="KaiTi" charset="-122"/>
-                        </a:rPr>
-                        <a:t>由数组</a:t>
-                      </a:r>
-                      <a:r>
-                        <a:rPr lang="en-US" sz="2000" kern="100" baseline="0" dirty="0" smtClean="0">
-                          <a:effectLst/>
-                          <a:latin typeface="Times New Roman" charset="0"/>
-                          <a:ea typeface="楷体" charset="-122"/>
-                          <a:cs typeface="KaiTi" charset="-122"/>
-                        </a:rPr>
-                        <a:t> </a:t>
+                        <a:t>的和定义由数组</a:t>
                       </a:r>
                       <a:r>
                         <a:rPr lang="en-US" sz="2000" kern="100" baseline="0" dirty="0">
@@ -4803,7 +4734,7 @@
                           <a:ea typeface="楷体" charset="-122"/>
                           <a:cs typeface="KaiTi" charset="-122"/>
                         </a:rPr>
-                        <a:t>A </a:t>
+                        <a:t> A </a:t>
                       </a:r>
                       <a:r>
                         <a:rPr lang="zh-CN" sz="2000" kern="100" baseline="0" dirty="0">
@@ -4829,7 +4760,7 @@
                         </a:spcAft>
                       </a:pPr>
                       <a:r>
-                        <a:rPr lang="zh-CN" sz="2000" kern="100" baseline="0" dirty="0" smtClean="0">
+                        <a:rPr lang="zh-CN" sz="2000" kern="100" baseline="0" dirty="0">
                           <a:effectLst/>
                           <a:latin typeface="Times New Roman" charset="0"/>
                           <a:ea typeface="楷体" charset="-122"/>
@@ -4838,22 +4769,13 @@
                         <a:t>数组</a:t>
                       </a:r>
                       <a:r>
-                        <a:rPr lang="en-US" sz="2000" kern="100" baseline="0" dirty="0" smtClean="0">
-                          <a:effectLst/>
-                          <a:latin typeface="Times New Roman" charset="0"/>
-                          <a:ea typeface="楷体" charset="-122"/>
-                          <a:cs typeface="KaiTi" charset="-122"/>
-                        </a:rPr>
-                        <a:t> </a:t>
-                      </a:r>
-                      <a:r>
                         <a:rPr lang="en-US" sz="2000" kern="100" baseline="0" dirty="0">
                           <a:effectLst/>
                           <a:latin typeface="Times New Roman" charset="0"/>
                           <a:ea typeface="楷体" charset="-122"/>
                           <a:cs typeface="KaiTi" charset="-122"/>
                         </a:rPr>
-                        <a:t>C </a:t>
+                        <a:t> C </a:t>
                       </a:r>
                       <a:r>
                         <a:rPr lang="zh-CN" sz="2000" kern="100" baseline="0" dirty="0">
@@ -4862,18 +4784,9 @@
                           <a:ea typeface="楷体" charset="-122"/>
                           <a:cs typeface="KaiTi" charset="-122"/>
                         </a:rPr>
-                        <a:t>中的</a:t>
+                        <a:t>中的元素</a:t>
                       </a:r>
-                      <a:r>
-                        <a:rPr lang="zh-CN" sz="2000" kern="100" baseline="0" dirty="0" smtClean="0">
-                          <a:effectLst/>
-                          <a:latin typeface="Times New Roman" charset="0"/>
-                          <a:ea typeface="楷体" charset="-122"/>
-                          <a:cs typeface="KaiTi" charset="-122"/>
-                        </a:rPr>
-                        <a:t>元素</a:t>
-                      </a:r>
-                      <a:endParaRPr lang="en-US" altLang="zh-CN" sz="2000" kern="100" baseline="0" dirty="0" smtClean="0">
+                      <a:endParaRPr lang="en-US" altLang="zh-CN" sz="2000" kern="100" baseline="0" dirty="0">
                         <a:effectLst/>
                         <a:latin typeface="Times New Roman" charset="0"/>
                         <a:ea typeface="楷体" charset="-122"/>
@@ -4887,22 +4800,13 @@
                         </a:spcAft>
                       </a:pPr>
                       <a:r>
-                        <a:rPr lang="zh-CN" sz="2000" kern="100" baseline="0" dirty="0" smtClean="0">
-                          <a:effectLst/>
-                          <a:latin typeface="Times New Roman" charset="0"/>
-                          <a:ea typeface="楷体" charset="-122"/>
-                          <a:cs typeface="KaiTi" charset="-122"/>
-                        </a:rPr>
-                        <a:t>来自</a:t>
-                      </a:r>
-                      <a:r>
                         <a:rPr lang="zh-CN" sz="2000" kern="100" baseline="0" dirty="0">
                           <a:effectLst/>
                           <a:latin typeface="Times New Roman" charset="0"/>
                           <a:ea typeface="楷体" charset="-122"/>
                           <a:cs typeface="KaiTi" charset="-122"/>
                         </a:rPr>
-                        <a:t>数组</a:t>
+                        <a:t>来自数组</a:t>
                       </a:r>
                       <a:r>
                         <a:rPr lang="en-US" sz="2000" kern="100" baseline="0" dirty="0">
@@ -4920,27 +4824,17 @@
                           <a:ea typeface="楷体" charset="-122"/>
                           <a:cs typeface="KaiTi" charset="-122"/>
                         </a:rPr>
-                        <a:t>的</a:t>
+                        <a:t>的个数</a:t>
                       </a:r>
-                      <a:r>
-                        <a:rPr lang="zh-CN" sz="2000" kern="100" baseline="0" dirty="0" smtClean="0">
-                          <a:effectLst/>
-                          <a:latin typeface="Times New Roman" charset="0"/>
-                          <a:ea typeface="楷体" charset="-122"/>
-                          <a:cs typeface="KaiTi" charset="-122"/>
-                        </a:rPr>
-                        <a:t>个数</a:t>
-                      </a:r>
-                      <a:endParaRPr lang="zh-CN" sz="2000" kern="100" baseline="0" dirty="0">
-                        <a:effectLst/>
-                        <a:latin typeface="Times New Roman" charset="0"/>
-                        <a:ea typeface="楷体" charset="-122"/>
-                        <a:cs typeface="KaiTi" charset="-122"/>
-                      </a:endParaRPr>
                     </a:p>
                   </a:txBody>
                   <a:tcPr marL="68580" marR="68580" marT="0" marB="0" anchor="ctr"/>
                 </a:tc>
+                <a:extLst>
+                  <a:ext uri="{0D108BD9-81ED-4DB2-BD59-A6C34878D82A}">
+                    <a16:rowId xmlns:a16="http://schemas.microsoft.com/office/drawing/2014/main" val="10000"/>
+                  </a:ext>
+                </a:extLst>
               </a:tr>
               <a:tr h="486888">
                 <a:tc>
@@ -5030,6 +4924,11 @@
                   </a:txBody>
                   <a:tcPr marL="68580" marR="68580" marT="0" marB="0" anchor="ctr"/>
                 </a:tc>
+                <a:extLst>
+                  <a:ext uri="{0D108BD9-81ED-4DB2-BD59-A6C34878D82A}">
+                    <a16:rowId xmlns:a16="http://schemas.microsoft.com/office/drawing/2014/main" val="10001"/>
+                  </a:ext>
+                </a:extLst>
               </a:tr>
               <a:tr h="486888">
                 <a:tc>
@@ -5119,6 +5018,11 @@
                   </a:txBody>
                   <a:tcPr marL="68580" marR="68580" marT="0" marB="0" anchor="ctr"/>
                 </a:tc>
+                <a:extLst>
+                  <a:ext uri="{0D108BD9-81ED-4DB2-BD59-A6C34878D82A}">
+                    <a16:rowId xmlns:a16="http://schemas.microsoft.com/office/drawing/2014/main" val="10002"/>
+                  </a:ext>
+                </a:extLst>
               </a:tr>
               <a:tr h="486888">
                 <a:tc>
@@ -5208,6 +5112,11 @@
                   </a:txBody>
                   <a:tcPr marL="68580" marR="68580" marT="0" marB="0" anchor="ctr"/>
                 </a:tc>
+                <a:extLst>
+                  <a:ext uri="{0D108BD9-81ED-4DB2-BD59-A6C34878D82A}">
+                    <a16:rowId xmlns:a16="http://schemas.microsoft.com/office/drawing/2014/main" val="10003"/>
+                  </a:ext>
+                </a:extLst>
               </a:tr>
               <a:tr h="486888">
                 <a:tc>
@@ -5297,6 +5206,11 @@
                   </a:txBody>
                   <a:tcPr marL="68580" marR="68580" marT="0" marB="0" anchor="ctr"/>
                 </a:tc>
+                <a:extLst>
+                  <a:ext uri="{0D108BD9-81ED-4DB2-BD59-A6C34878D82A}">
+                    <a16:rowId xmlns:a16="http://schemas.microsoft.com/office/drawing/2014/main" val="10004"/>
+                  </a:ext>
+                </a:extLst>
               </a:tr>
               <a:tr h="486888">
                 <a:tc>
@@ -5386,6 +5300,11 @@
                   </a:txBody>
                   <a:tcPr marL="68580" marR="68580" marT="0" marB="0" anchor="ctr"/>
                 </a:tc>
+                <a:extLst>
+                  <a:ext uri="{0D108BD9-81ED-4DB2-BD59-A6C34878D82A}">
+                    <a16:rowId xmlns:a16="http://schemas.microsoft.com/office/drawing/2014/main" val="10005"/>
+                  </a:ext>
+                </a:extLst>
               </a:tr>
               <a:tr h="486888">
                 <a:tc>
@@ -5475,6 +5394,11 @@
                   </a:txBody>
                   <a:tcPr marL="68580" marR="68580" marT="0" marB="0" anchor="ctr"/>
                 </a:tc>
+                <a:extLst>
+                  <a:ext uri="{0D108BD9-81ED-4DB2-BD59-A6C34878D82A}">
+                    <a16:rowId xmlns:a16="http://schemas.microsoft.com/office/drawing/2014/main" val="10006"/>
+                  </a:ext>
+                </a:extLst>
               </a:tr>
               <a:tr h="486888">
                 <a:tc>
@@ -5564,6 +5488,11 @@
                   </a:txBody>
                   <a:tcPr marL="68580" marR="68580" marT="0" marB="0" anchor="ctr"/>
                 </a:tc>
+                <a:extLst>
+                  <a:ext uri="{0D108BD9-81ED-4DB2-BD59-A6C34878D82A}">
+                    <a16:rowId xmlns:a16="http://schemas.microsoft.com/office/drawing/2014/main" val="10007"/>
+                  </a:ext>
+                </a:extLst>
               </a:tr>
               <a:tr h="973776">
                 <a:tc>
@@ -5653,6 +5582,11 @@
                   </a:txBody>
                   <a:tcPr marL="68580" marR="68580" marT="0" marB="0" anchor="ctr"/>
                 </a:tc>
+                <a:extLst>
+                  <a:ext uri="{0D108BD9-81ED-4DB2-BD59-A6C34878D82A}">
+                    <a16:rowId xmlns:a16="http://schemas.microsoft.com/office/drawing/2014/main" val="10008"/>
+                  </a:ext>
+                </a:extLst>
               </a:tr>
             </a:tbl>
           </a:graphicData>
@@ -5716,44 +5650,26 @@
           <a:lstStyle/>
           <a:p>
             <a:r>
-              <a:rPr kumimoji="1" lang="zh-CN" altLang="en-US" sz="2400" dirty="0" smtClean="0">
+              <a:rPr kumimoji="1" lang="zh-CN" altLang="en-US" sz="2400" dirty="0">
                 <a:latin typeface="Times New Roman" charset="0"/>
                 <a:ea typeface="黑体" charset="-122"/>
               </a:rPr>
-              <a:t>树状数组</a:t>
-            </a:r>
-            <a:r>
-              <a:rPr kumimoji="1" lang="zh-CN" altLang="en-US" sz="2400" dirty="0" smtClean="0">
+              <a:t>树状数组简介（</a:t>
+            </a:r>
+            <a:r>
+              <a:rPr kumimoji="1" lang="en-US" altLang="zh-CN" sz="2400" dirty="0">
                 <a:latin typeface="Times New Roman" charset="0"/>
                 <a:ea typeface="黑体" charset="-122"/>
               </a:rPr>
-              <a:t>简介</a:t>
-            </a:r>
-            <a:r>
-              <a:rPr kumimoji="1" lang="zh-CN" altLang="en-US" sz="2400" dirty="0" smtClean="0">
+              <a:t>10</a:t>
+            </a:r>
+            <a:r>
+              <a:rPr kumimoji="1" lang="zh-CN" altLang="en-US" sz="2400" dirty="0">
                 <a:latin typeface="Times New Roman" charset="0"/>
                 <a:ea typeface="黑体" charset="-122"/>
               </a:rPr>
-              <a:t>（</a:t>
-            </a:r>
-            <a:r>
-              <a:rPr kumimoji="1" lang="en-US" altLang="zh-CN" sz="2400" dirty="0" smtClean="0">
-                <a:latin typeface="Times New Roman" charset="0"/>
-                <a:ea typeface="黑体" charset="-122"/>
-              </a:rPr>
-              <a:t>10</a:t>
-            </a:r>
-            <a:r>
-              <a:rPr kumimoji="1" lang="zh-CN" altLang="en-US" sz="2400" dirty="0" smtClean="0">
-                <a:latin typeface="Times New Roman" charset="0"/>
-                <a:ea typeface="黑体" charset="-122"/>
-              </a:rPr>
               <a:t>）</a:t>
             </a:r>
-            <a:endParaRPr kumimoji="1" lang="zh-CN" altLang="en-US" sz="2400" dirty="0">
-              <a:latin typeface="Times New Roman" charset="0"/>
-              <a:ea typeface="黑体" charset="-122"/>
-            </a:endParaRPr>
           </a:p>
         </p:txBody>
       </p:sp>
@@ -5802,13 +5718,6 @@
   <p:clrMapOvr>
     <a:masterClrMapping/>
   </p:clrMapOvr>
-  <p:timing>
-    <p:tnLst>
-      <p:par>
-        <p:cTn id="1" dur="indefinite" restart="never" nodeType="tmRoot"/>
-      </p:par>
-    </p:tnLst>
-  </p:timing>
 </p:sld>
 </file>
 
@@ -5852,11 +5761,41 @@
             <a:tbl>
               <a:tblPr firstRow="1" firstCol="1" bandRow="1"/>
               <a:tblGrid>
-                <a:gridCol w="1072859"/>
-                <a:gridCol w="2183809"/>
-                <a:gridCol w="433799"/>
-                <a:gridCol w="730053"/>
-                <a:gridCol w="6694783"/>
+                <a:gridCol w="1072859">
+                  <a:extLst>
+                    <a:ext uri="{9D8B030D-6E8A-4147-A177-3AD203B41FA5}">
+                      <a16:colId xmlns:a16="http://schemas.microsoft.com/office/drawing/2014/main" val="20000"/>
+                    </a:ext>
+                  </a:extLst>
+                </a:gridCol>
+                <a:gridCol w="2183809">
+                  <a:extLst>
+                    <a:ext uri="{9D8B030D-6E8A-4147-A177-3AD203B41FA5}">
+                      <a16:colId xmlns:a16="http://schemas.microsoft.com/office/drawing/2014/main" val="20001"/>
+                    </a:ext>
+                  </a:extLst>
+                </a:gridCol>
+                <a:gridCol w="433799">
+                  <a:extLst>
+                    <a:ext uri="{9D8B030D-6E8A-4147-A177-3AD203B41FA5}">
+                      <a16:colId xmlns:a16="http://schemas.microsoft.com/office/drawing/2014/main" val="20002"/>
+                    </a:ext>
+                  </a:extLst>
+                </a:gridCol>
+                <a:gridCol w="730053">
+                  <a:extLst>
+                    <a:ext uri="{9D8B030D-6E8A-4147-A177-3AD203B41FA5}">
+                      <a16:colId xmlns:a16="http://schemas.microsoft.com/office/drawing/2014/main" val="20003"/>
+                    </a:ext>
+                  </a:extLst>
+                </a:gridCol>
+                <a:gridCol w="6694783">
+                  <a:extLst>
+                    <a:ext uri="{9D8B030D-6E8A-4147-A177-3AD203B41FA5}">
+                      <a16:colId xmlns:a16="http://schemas.microsoft.com/office/drawing/2014/main" val="20004"/>
+                    </a:ext>
+                  </a:extLst>
+                </a:gridCol>
               </a:tblGrid>
               <a:tr h="695722">
                 <a:tc>
@@ -6267,6 +6206,11 @@
                     </a:solidFill>
                   </a:tcPr>
                 </a:tc>
+                <a:extLst>
+                  <a:ext uri="{0D108BD9-81ED-4DB2-BD59-A6C34878D82A}">
+                    <a16:rowId xmlns:a16="http://schemas.microsoft.com/office/drawing/2014/main" val="10000"/>
+                  </a:ext>
+                </a:extLst>
               </a:tr>
               <a:tr h="537798">
                 <a:tc>
@@ -6617,6 +6561,11 @@
                     </a:solidFill>
                   </a:tcPr>
                 </a:tc>
+                <a:extLst>
+                  <a:ext uri="{0D108BD9-81ED-4DB2-BD59-A6C34878D82A}">
+                    <a16:rowId xmlns:a16="http://schemas.microsoft.com/office/drawing/2014/main" val="10001"/>
+                  </a:ext>
+                </a:extLst>
               </a:tr>
               <a:tr h="537798">
                 <a:tc>
@@ -6967,6 +6916,11 @@
                     </a:solidFill>
                   </a:tcPr>
                 </a:tc>
+                <a:extLst>
+                  <a:ext uri="{0D108BD9-81ED-4DB2-BD59-A6C34878D82A}">
+                    <a16:rowId xmlns:a16="http://schemas.microsoft.com/office/drawing/2014/main" val="10002"/>
+                  </a:ext>
+                </a:extLst>
               </a:tr>
               <a:tr h="537798">
                 <a:tc>
@@ -7317,6 +7271,11 @@
                     </a:solidFill>
                   </a:tcPr>
                 </a:tc>
+                <a:extLst>
+                  <a:ext uri="{0D108BD9-81ED-4DB2-BD59-A6C34878D82A}">
+                    <a16:rowId xmlns:a16="http://schemas.microsoft.com/office/drawing/2014/main" val="10003"/>
+                  </a:ext>
+                </a:extLst>
               </a:tr>
               <a:tr h="537798">
                 <a:tc>
@@ -7667,6 +7626,11 @@
                     </a:solidFill>
                   </a:tcPr>
                 </a:tc>
+                <a:extLst>
+                  <a:ext uri="{0D108BD9-81ED-4DB2-BD59-A6C34878D82A}">
+                    <a16:rowId xmlns:a16="http://schemas.microsoft.com/office/drawing/2014/main" val="10004"/>
+                  </a:ext>
+                </a:extLst>
               </a:tr>
               <a:tr h="537798">
                 <a:tc>
@@ -8017,6 +7981,11 @@
                     </a:solidFill>
                   </a:tcPr>
                 </a:tc>
+                <a:extLst>
+                  <a:ext uri="{0D108BD9-81ED-4DB2-BD59-A6C34878D82A}">
+                    <a16:rowId xmlns:a16="http://schemas.microsoft.com/office/drawing/2014/main" val="10005"/>
+                  </a:ext>
+                </a:extLst>
               </a:tr>
               <a:tr h="693588">
                 <a:tc>
@@ -8367,6 +8336,11 @@
                     </a:solidFill>
                   </a:tcPr>
                 </a:tc>
+                <a:extLst>
+                  <a:ext uri="{0D108BD9-81ED-4DB2-BD59-A6C34878D82A}">
+                    <a16:rowId xmlns:a16="http://schemas.microsoft.com/office/drawing/2014/main" val="10006"/>
+                  </a:ext>
+                </a:extLst>
               </a:tr>
               <a:tr h="537798">
                 <a:tc>
@@ -8717,6 +8691,11 @@
                     </a:solidFill>
                   </a:tcPr>
                 </a:tc>
+                <a:extLst>
+                  <a:ext uri="{0D108BD9-81ED-4DB2-BD59-A6C34878D82A}">
+                    <a16:rowId xmlns:a16="http://schemas.microsoft.com/office/drawing/2014/main" val="10007"/>
+                  </a:ext>
+                </a:extLst>
               </a:tr>
               <a:tr h="537798">
                 <a:tc>
@@ -9067,6 +9046,11 @@
                     </a:solidFill>
                   </a:tcPr>
                 </a:tc>
+                <a:extLst>
+                  <a:ext uri="{0D108BD9-81ED-4DB2-BD59-A6C34878D82A}">
+                    <a16:rowId xmlns:a16="http://schemas.microsoft.com/office/drawing/2014/main" val="10008"/>
+                  </a:ext>
+                </a:extLst>
               </a:tr>
             </a:tbl>
           </a:graphicData>
@@ -9130,44 +9114,26 @@
           <a:lstStyle/>
           <a:p>
             <a:r>
-              <a:rPr kumimoji="1" lang="zh-CN" altLang="en-US" sz="2400" dirty="0" smtClean="0">
+              <a:rPr kumimoji="1" lang="zh-CN" altLang="en-US" sz="2400" dirty="0">
                 <a:latin typeface="Times New Roman" charset="0"/>
                 <a:ea typeface="黑体" charset="-122"/>
               </a:rPr>
-              <a:t>树状数组</a:t>
-            </a:r>
-            <a:r>
-              <a:rPr kumimoji="1" lang="zh-CN" altLang="en-US" sz="2400" dirty="0" smtClean="0">
+              <a:t>树状数组简介（</a:t>
+            </a:r>
+            <a:r>
+              <a:rPr kumimoji="1" lang="en-US" altLang="zh-CN" sz="2400" dirty="0">
                 <a:latin typeface="Times New Roman" charset="0"/>
                 <a:ea typeface="黑体" charset="-122"/>
               </a:rPr>
-              <a:t>简介</a:t>
-            </a:r>
-            <a:r>
-              <a:rPr kumimoji="1" lang="zh-CN" altLang="en-US" sz="2400" dirty="0" smtClean="0">
+              <a:t>11</a:t>
+            </a:r>
+            <a:r>
+              <a:rPr kumimoji="1" lang="zh-CN" altLang="en-US" sz="2400" dirty="0">
                 <a:latin typeface="Times New Roman" charset="0"/>
                 <a:ea typeface="黑体" charset="-122"/>
               </a:rPr>
-              <a:t>（</a:t>
-            </a:r>
-            <a:r>
-              <a:rPr kumimoji="1" lang="en-US" altLang="zh-CN" sz="2400" dirty="0" smtClean="0">
-                <a:latin typeface="Times New Roman" charset="0"/>
-                <a:ea typeface="黑体" charset="-122"/>
-              </a:rPr>
-              <a:t>11</a:t>
-            </a:r>
-            <a:r>
-              <a:rPr kumimoji="1" lang="zh-CN" altLang="en-US" sz="2400" dirty="0" smtClean="0">
-                <a:latin typeface="Times New Roman" charset="0"/>
-                <a:ea typeface="黑体" charset="-122"/>
-              </a:rPr>
               <a:t>）</a:t>
             </a:r>
-            <a:endParaRPr kumimoji="1" lang="zh-CN" altLang="en-US" sz="2400" dirty="0">
-              <a:latin typeface="Times New Roman" charset="0"/>
-              <a:ea typeface="黑体" charset="-122"/>
-            </a:endParaRPr>
           </a:p>
         </p:txBody>
       </p:sp>
@@ -9216,13 +9182,6 @@
   <p:clrMapOvr>
     <a:masterClrMapping/>
   </p:clrMapOvr>
-  <p:timing>
-    <p:tnLst>
-      <p:par>
-        <p:cTn id="1" dur="indefinite" restart="never" nodeType="tmRoot"/>
-      </p:par>
-    </p:tnLst>
-  </p:timing>
 </p:sld>
 </file>
 
@@ -9275,8 +9234,8 @@
         </p:nvSpPr>
         <p:spPr>
           <a:xfrm>
-            <a:off x="9938132" y="2728080"/>
-            <a:ext cx="2514201" cy="923330"/>
+            <a:off x="9938133" y="2728080"/>
+            <a:ext cx="2253868" cy="1200329"/>
           </a:xfrm>
           <a:prstGeom prst="rect">
             <a:avLst/>
@@ -9289,70 +9248,70 @@
           <a:lstStyle/>
           <a:p>
             <a:r>
-              <a:rPr kumimoji="1" lang="zh-CN" altLang="en-US" dirty="0" smtClean="0">
+              <a:rPr kumimoji="1" lang="zh-CN" altLang="en-US" dirty="0">
                 <a:latin typeface="Times New Roman" charset="0"/>
                 <a:ea typeface="楷体" charset="-122"/>
               </a:rPr>
               <a:t>红色结点右下角的蓝色圆形结点表示的是索引 </a:t>
             </a:r>
             <a:r>
-              <a:rPr kumimoji="1" lang="en-US" altLang="zh-CN" dirty="0" err="1" smtClean="0">
+              <a:rPr kumimoji="1" lang="en-US" altLang="zh-CN" dirty="0" err="1">
                 <a:latin typeface="Times New Roman" charset="0"/>
                 <a:ea typeface="楷体" charset="-122"/>
               </a:rPr>
               <a:t>i</a:t>
             </a:r>
             <a:r>
-              <a:rPr kumimoji="1" lang="en-US" altLang="zh-CN" dirty="0" smtClean="0">
+              <a:rPr kumimoji="1" lang="en-US" altLang="zh-CN" dirty="0">
                 <a:latin typeface="Times New Roman" charset="0"/>
                 <a:ea typeface="楷体" charset="-122"/>
               </a:rPr>
               <a:t> </a:t>
             </a:r>
             <a:r>
-              <a:rPr kumimoji="1" lang="zh-CN" altLang="en-US" dirty="0" smtClean="0">
+              <a:rPr kumimoji="1" lang="zh-CN" altLang="en-US" dirty="0">
                 <a:latin typeface="Times New Roman" charset="0"/>
                 <a:ea typeface="楷体" charset="-122"/>
               </a:rPr>
               <a:t>的 </a:t>
             </a:r>
             <a:r>
-              <a:rPr kumimoji="1" lang="en-US" altLang="zh-CN" dirty="0" err="1" smtClean="0">
+              <a:rPr kumimoji="1" lang="en-US" altLang="zh-CN" dirty="0" err="1">
                 <a:latin typeface="Times New Roman" charset="0"/>
                 <a:ea typeface="楷体" charset="-122"/>
               </a:rPr>
               <a:t>lowbit</a:t>
             </a:r>
             <a:r>
-              <a:rPr kumimoji="1" lang="en-US" altLang="zh-CN" dirty="0" smtClean="0">
+              <a:rPr kumimoji="1" lang="en-US" altLang="zh-CN" dirty="0">
                 <a:latin typeface="Times New Roman" charset="0"/>
                 <a:ea typeface="楷体" charset="-122"/>
               </a:rPr>
               <a:t> </a:t>
             </a:r>
             <a:r>
-              <a:rPr kumimoji="1" lang="zh-CN" altLang="en-US" dirty="0" smtClean="0">
+              <a:rPr kumimoji="1" lang="zh-CN" altLang="en-US" dirty="0">
                 <a:latin typeface="Times New Roman" charset="0"/>
                 <a:ea typeface="楷体" charset="-122"/>
               </a:rPr>
               <a:t>值，即 </a:t>
             </a:r>
             <a:r>
-              <a:rPr kumimoji="1" lang="en-US" altLang="zh-CN" dirty="0" smtClean="0">
+              <a:rPr kumimoji="1" lang="en-US" altLang="zh-CN" dirty="0">
                 <a:latin typeface="Times New Roman" charset="0"/>
                 <a:ea typeface="楷体" charset="-122"/>
               </a:rPr>
               <a:t>2</a:t>
             </a:r>
             <a:r>
-              <a:rPr kumimoji="1" lang="en-US" altLang="zh-CN" i="1" baseline="30000" dirty="0" smtClean="0">
+              <a:rPr kumimoji="1" lang="en-US" altLang="zh-CN" i="1" baseline="30000" dirty="0">
                 <a:latin typeface="Times New Roman" charset="0"/>
                 <a:ea typeface="楷体" charset="-122"/>
               </a:rPr>
               <a:t>k</a:t>
             </a:r>
             <a:r>
-              <a:rPr kumimoji="1" lang="zh-CN" altLang="en-US" dirty="0" smtClean="0">
+              <a:rPr kumimoji="1" lang="zh-CN" altLang="en-US" dirty="0">
                 <a:latin typeface="Times New Roman" charset="0"/>
                 <a:ea typeface="楷体" charset="-122"/>
               </a:rPr>
@@ -9383,21 +9342,21 @@
           <a:lstStyle/>
           <a:p>
             <a:r>
-              <a:rPr kumimoji="1" lang="zh-CN" altLang="en-US" dirty="0" smtClean="0">
+              <a:rPr kumimoji="1" lang="zh-CN" altLang="en-US" dirty="0">
                 <a:latin typeface="Times New Roman" charset="0"/>
                 <a:ea typeface="楷体" charset="-122"/>
               </a:rPr>
               <a:t>灰色结点表示原始数组 </a:t>
             </a:r>
             <a:r>
-              <a:rPr kumimoji="1" lang="en-US" altLang="zh-CN" dirty="0" smtClean="0">
+              <a:rPr kumimoji="1" lang="en-US" altLang="zh-CN" dirty="0">
                 <a:latin typeface="Times New Roman" charset="0"/>
                 <a:ea typeface="楷体" charset="-122"/>
               </a:rPr>
               <a:t>A </a:t>
             </a:r>
             <a:r>
-              <a:rPr kumimoji="1" lang="zh-CN" altLang="en-US" dirty="0" smtClean="0">
+              <a:rPr kumimoji="1" lang="zh-CN" altLang="en-US" dirty="0">
                 <a:latin typeface="Times New Roman" charset="0"/>
                 <a:ea typeface="楷体" charset="-122"/>
               </a:rPr>
@@ -9428,21 +9387,21 @@
           <a:lstStyle/>
           <a:p>
             <a:r>
-              <a:rPr kumimoji="1" lang="zh-CN" altLang="en-US" dirty="0" smtClean="0">
+              <a:rPr kumimoji="1" lang="zh-CN" altLang="en-US" dirty="0">
                 <a:latin typeface="Times New Roman" charset="0"/>
                 <a:ea typeface="楷体" charset="-122"/>
               </a:rPr>
               <a:t>红色结点表示预处理数组 </a:t>
             </a:r>
             <a:r>
-              <a:rPr kumimoji="1" lang="en-US" altLang="zh-CN" dirty="0" smtClean="0">
+              <a:rPr kumimoji="1" lang="en-US" altLang="zh-CN" dirty="0">
                 <a:latin typeface="Times New Roman" charset="0"/>
                 <a:ea typeface="楷体" charset="-122"/>
               </a:rPr>
               <a:t>C </a:t>
             </a:r>
             <a:r>
-              <a:rPr kumimoji="1" lang="zh-CN" altLang="en-US" dirty="0" smtClean="0">
+              <a:rPr kumimoji="1" lang="zh-CN" altLang="en-US" dirty="0">
                 <a:latin typeface="Times New Roman" charset="0"/>
                 <a:ea typeface="楷体" charset="-122"/>
               </a:rPr>
@@ -9473,42 +9432,42 @@
           <a:lstStyle/>
           <a:p>
             <a:r>
-              <a:rPr kumimoji="1" lang="zh-CN" altLang="en-US" dirty="0" smtClean="0">
+              <a:rPr kumimoji="1" lang="zh-CN" altLang="en-US" dirty="0">
                 <a:latin typeface="Times New Roman" charset="0"/>
                 <a:ea typeface="楷体" charset="-122"/>
               </a:rPr>
               <a:t>红色结点左边的 </a:t>
             </a:r>
             <a:r>
-              <a:rPr kumimoji="1" lang="en-US" altLang="zh-CN" dirty="0" smtClean="0">
+              <a:rPr kumimoji="1" lang="en-US" altLang="zh-CN" dirty="0">
                 <a:latin typeface="Times New Roman" charset="0"/>
                 <a:ea typeface="楷体" charset="-122"/>
               </a:rPr>
               <a:t>4 </a:t>
             </a:r>
             <a:r>
-              <a:rPr kumimoji="1" lang="zh-CN" altLang="en-US" dirty="0" smtClean="0">
+              <a:rPr kumimoji="1" lang="zh-CN" altLang="en-US" dirty="0">
                 <a:latin typeface="Times New Roman" charset="0"/>
                 <a:ea typeface="楷体" charset="-122"/>
               </a:rPr>
               <a:t>位数是它所对应的索引 </a:t>
             </a:r>
             <a:r>
-              <a:rPr kumimoji="1" lang="en-US" altLang="zh-CN" dirty="0" err="1" smtClean="0">
+              <a:rPr kumimoji="1" lang="en-US" altLang="zh-CN" dirty="0" err="1">
                 <a:latin typeface="Times New Roman" charset="0"/>
                 <a:ea typeface="楷体" charset="-122"/>
               </a:rPr>
               <a:t>i</a:t>
             </a:r>
             <a:r>
-              <a:rPr kumimoji="1" lang="en-US" altLang="zh-CN" dirty="0" smtClean="0">
+              <a:rPr kumimoji="1" lang="en-US" altLang="zh-CN" dirty="0">
                 <a:latin typeface="Times New Roman" charset="0"/>
                 <a:ea typeface="楷体" charset="-122"/>
               </a:rPr>
               <a:t> </a:t>
             </a:r>
             <a:r>
-              <a:rPr kumimoji="1" lang="zh-CN" altLang="en-US" dirty="0" smtClean="0">
+              <a:rPr kumimoji="1" lang="zh-CN" altLang="en-US" dirty="0">
                 <a:latin typeface="Times New Roman" charset="0"/>
                 <a:ea typeface="楷体" charset="-122"/>
               </a:rPr>
@@ -9575,44 +9534,26 @@
           <a:lstStyle/>
           <a:p>
             <a:r>
-              <a:rPr kumimoji="1" lang="zh-CN" altLang="en-US" sz="2400" dirty="0" smtClean="0">
+              <a:rPr kumimoji="1" lang="zh-CN" altLang="en-US" sz="2400" dirty="0">
                 <a:latin typeface="Times New Roman" charset="0"/>
                 <a:ea typeface="黑体" charset="-122"/>
               </a:rPr>
-              <a:t>树状数组</a:t>
-            </a:r>
-            <a:r>
-              <a:rPr kumimoji="1" lang="zh-CN" altLang="en-US" sz="2400" dirty="0" smtClean="0">
+              <a:t>树状数组简介（</a:t>
+            </a:r>
+            <a:r>
+              <a:rPr kumimoji="1" lang="en-US" altLang="zh-CN" sz="2400" dirty="0">
                 <a:latin typeface="Times New Roman" charset="0"/>
                 <a:ea typeface="黑体" charset="-122"/>
               </a:rPr>
-              <a:t>简介</a:t>
-            </a:r>
-            <a:r>
-              <a:rPr kumimoji="1" lang="zh-CN" altLang="en-US" sz="2400" dirty="0" smtClean="0">
+              <a:t>12</a:t>
+            </a:r>
+            <a:r>
+              <a:rPr kumimoji="1" lang="zh-CN" altLang="en-US" sz="2400" dirty="0">
                 <a:latin typeface="Times New Roman" charset="0"/>
                 <a:ea typeface="黑体" charset="-122"/>
               </a:rPr>
-              <a:t>（</a:t>
-            </a:r>
-            <a:r>
-              <a:rPr kumimoji="1" lang="en-US" altLang="zh-CN" sz="2400" dirty="0" smtClean="0">
-                <a:latin typeface="Times New Roman" charset="0"/>
-                <a:ea typeface="黑体" charset="-122"/>
-              </a:rPr>
-              <a:t>12</a:t>
-            </a:r>
-            <a:r>
-              <a:rPr kumimoji="1" lang="zh-CN" altLang="en-US" sz="2400" dirty="0" smtClean="0">
-                <a:latin typeface="Times New Roman" charset="0"/>
-                <a:ea typeface="黑体" charset="-122"/>
-              </a:rPr>
               <a:t>）</a:t>
             </a:r>
-            <a:endParaRPr kumimoji="1" lang="zh-CN" altLang="en-US" sz="2400" dirty="0">
-              <a:latin typeface="Times New Roman" charset="0"/>
-              <a:ea typeface="黑体" charset="-122"/>
-            </a:endParaRPr>
           </a:p>
         </p:txBody>
       </p:sp>
@@ -9661,13 +9602,6 @@
   <p:clrMapOvr>
     <a:masterClrMapping/>
   </p:clrMapOvr>
-  <p:timing>
-    <p:tnLst>
-      <p:par>
-        <p:cTn id="1" dur="indefinite" restart="never" nodeType="tmRoot"/>
-      </p:par>
-    </p:tnLst>
-  </p:timing>
 </p:sld>
 </file>
 
@@ -9713,7 +9647,7 @@
           <a:lstStyle/>
           <a:p>
             <a:r>
-              <a:rPr kumimoji="1" lang="zh-CN" altLang="en-US" b="1" dirty="0" smtClean="0">
+              <a:rPr kumimoji="1" lang="zh-CN" altLang="en-US" b="1" dirty="0">
                 <a:solidFill>
                   <a:srgbClr val="FF0000"/>
                 </a:solidFill>
@@ -9722,7 +9656,7 @@
               </a:rPr>
               <a:t>理解树状数组的本质：整数的二进制分解。</a:t>
             </a:r>
-            <a:endParaRPr kumimoji="1" lang="en-US" altLang="zh-CN" b="1" dirty="0" smtClean="0">
+            <a:endParaRPr kumimoji="1" lang="en-US" altLang="zh-CN" b="1" dirty="0">
               <a:solidFill>
                 <a:srgbClr val="FF0000"/>
               </a:solidFill>
@@ -9732,103 +9666,103 @@
           </a:p>
           <a:p>
             <a:r>
-              <a:rPr kumimoji="1" lang="zh-CN" altLang="en-US" dirty="0" smtClean="0">
+              <a:rPr kumimoji="1" lang="zh-CN" altLang="en-US" dirty="0">
                 <a:latin typeface="Times New Roman" charset="0"/>
                 <a:ea typeface="楷体" charset="-122"/>
               </a:rPr>
               <a:t>例如：</a:t>
             </a:r>
-            <a:endParaRPr kumimoji="1" lang="en-US" altLang="zh-CN" dirty="0" smtClean="0">
+            <a:endParaRPr kumimoji="1" lang="en-US" altLang="zh-CN" dirty="0">
               <a:latin typeface="Times New Roman" charset="0"/>
               <a:ea typeface="楷体" charset="-122"/>
             </a:endParaRPr>
           </a:p>
           <a:p>
             <a:r>
-              <a:rPr kumimoji="1" lang="zh-CN" altLang="en-US" dirty="0" smtClean="0">
+              <a:rPr kumimoji="1" lang="zh-CN" altLang="en-US" dirty="0">
                 <a:latin typeface="Times New Roman" charset="0"/>
                 <a:ea typeface="楷体" charset="-122"/>
               </a:rPr>
               <a:t>十进制 </a:t>
             </a:r>
             <a:r>
-              <a:rPr kumimoji="1" lang="en-US" altLang="zh-CN" dirty="0" smtClean="0">
+              <a:rPr kumimoji="1" lang="en-US" altLang="zh-CN" dirty="0">
                 <a:latin typeface="Times New Roman" charset="0"/>
                 <a:ea typeface="楷体" charset="-122"/>
               </a:rPr>
               <a:t>6</a:t>
             </a:r>
             <a:r>
-              <a:rPr kumimoji="1" lang="zh-CN" altLang="en-US" dirty="0" smtClean="0">
+              <a:rPr kumimoji="1" lang="zh-CN" altLang="en-US" dirty="0">
                 <a:latin typeface="Times New Roman" charset="0"/>
                 <a:ea typeface="楷体" charset="-122"/>
               </a:rPr>
               <a:t> ，它对应的二进制为：</a:t>
             </a:r>
             <a:r>
-              <a:rPr kumimoji="1" lang="en-US" altLang="zh-CN" dirty="0" smtClean="0">
+              <a:rPr kumimoji="1" lang="en-US" altLang="zh-CN" dirty="0">
                 <a:latin typeface="Times New Roman" charset="0"/>
                 <a:ea typeface="楷体" charset="-122"/>
               </a:rPr>
               <a:t>0000</a:t>
             </a:r>
             <a:r>
-              <a:rPr kumimoji="1" lang="zh-CN" altLang="en-US" dirty="0" smtClean="0">
+              <a:rPr kumimoji="1" lang="zh-CN" altLang="en-US" dirty="0">
                 <a:latin typeface="Times New Roman" charset="0"/>
                 <a:ea typeface="楷体" charset="-122"/>
               </a:rPr>
               <a:t> </a:t>
             </a:r>
             <a:r>
-              <a:rPr kumimoji="1" lang="en-US" altLang="zh-CN" dirty="0" smtClean="0">
+              <a:rPr kumimoji="1" lang="en-US" altLang="zh-CN" dirty="0">
                 <a:latin typeface="Times New Roman" charset="0"/>
                 <a:ea typeface="楷体" charset="-122"/>
               </a:rPr>
               <a:t>0110</a:t>
             </a:r>
             <a:r>
-              <a:rPr kumimoji="1" lang="zh-CN" altLang="en-US" dirty="0" smtClean="0">
+              <a:rPr kumimoji="1" lang="zh-CN" altLang="en-US" dirty="0">
                 <a:latin typeface="Times New Roman" charset="0"/>
                 <a:ea typeface="楷体" charset="-122"/>
               </a:rPr>
               <a:t>，它有 </a:t>
             </a:r>
             <a:r>
-              <a:rPr kumimoji="1" lang="en-US" altLang="zh-CN" dirty="0" smtClean="0">
+              <a:rPr kumimoji="1" lang="en-US" altLang="zh-CN" dirty="0">
                 <a:latin typeface="Times New Roman" charset="0"/>
                 <a:ea typeface="楷体" charset="-122"/>
               </a:rPr>
               <a:t>2</a:t>
             </a:r>
             <a:r>
-              <a:rPr kumimoji="1" lang="zh-CN" altLang="en-US" dirty="0" smtClean="0">
+              <a:rPr kumimoji="1" lang="zh-CN" altLang="en-US" dirty="0">
                 <a:latin typeface="Times New Roman" charset="0"/>
                 <a:ea typeface="楷体" charset="-122"/>
               </a:rPr>
               <a:t> 个 数位上是“</a:t>
             </a:r>
             <a:r>
-              <a:rPr kumimoji="1" lang="en-US" altLang="zh-CN" dirty="0" smtClean="0">
+              <a:rPr kumimoji="1" lang="en-US" altLang="zh-CN" dirty="0">
                 <a:latin typeface="Times New Roman" charset="0"/>
                 <a:ea typeface="楷体" charset="-122"/>
               </a:rPr>
               <a:t>1</a:t>
             </a:r>
             <a:r>
-              <a:rPr kumimoji="1" lang="zh-CN" altLang="en-US" dirty="0" smtClean="0">
+              <a:rPr kumimoji="1" lang="zh-CN" altLang="en-US" dirty="0">
                 <a:latin typeface="Times New Roman" charset="0"/>
                 <a:ea typeface="楷体" charset="-122"/>
               </a:rPr>
               <a:t>” 因此，可以表示两个数的加法：</a:t>
             </a:r>
-            <a:endParaRPr kumimoji="1" lang="en-US" altLang="zh-CN" dirty="0" smtClean="0">
+            <a:endParaRPr kumimoji="1" lang="en-US" altLang="zh-CN" dirty="0">
               <a:latin typeface="Times New Roman" charset="0"/>
               <a:ea typeface="楷体" charset="-122"/>
             </a:endParaRPr>
           </a:p>
           <a:p>
             <a:r>
-              <a:rPr kumimoji="1" lang="zh-CN" altLang="en-US" dirty="0" smtClean="0">
+              <a:rPr kumimoji="1" lang="zh-CN" altLang="en-US" dirty="0">
                 <a:latin typeface="Times New Roman" charset="0"/>
                 <a:ea typeface="楷体" charset="-122"/>
               </a:rPr>
@@ -9849,28 +9783,28 @@
               <a:t> </a:t>
             </a:r>
             <a:r>
-              <a:rPr kumimoji="1" lang="en-US" altLang="zh-CN" dirty="0" smtClean="0">
+              <a:rPr kumimoji="1" lang="en-US" altLang="zh-CN" dirty="0">
                 <a:latin typeface="Times New Roman" charset="0"/>
                 <a:ea typeface="楷体" charset="-122"/>
               </a:rPr>
               <a:t>0110</a:t>
             </a:r>
             <a:r>
-              <a:rPr kumimoji="1" lang="zh-CN" altLang="en-US" dirty="0" smtClean="0">
+              <a:rPr kumimoji="1" lang="zh-CN" altLang="en-US" dirty="0">
                 <a:latin typeface="Times New Roman" charset="0"/>
                 <a:ea typeface="楷体" charset="-122"/>
               </a:rPr>
               <a:t> </a:t>
             </a:r>
             <a:r>
-              <a:rPr kumimoji="1" lang="en-US" altLang="zh-CN" dirty="0" smtClean="0">
+              <a:rPr kumimoji="1" lang="en-US" altLang="zh-CN" dirty="0">
                 <a:latin typeface="Times New Roman" charset="0"/>
                 <a:ea typeface="楷体" charset="-122"/>
               </a:rPr>
               <a:t>=</a:t>
             </a:r>
             <a:r>
-              <a:rPr kumimoji="1" lang="zh-CN" altLang="en-US" dirty="0" smtClean="0">
+              <a:rPr kumimoji="1" lang="zh-CN" altLang="en-US" dirty="0">
                 <a:latin typeface="Times New Roman" charset="0"/>
                 <a:ea typeface="楷体" charset="-122"/>
               </a:rPr>
@@ -9891,28 +9825,28 @@
               <a:t> </a:t>
             </a:r>
             <a:r>
-              <a:rPr kumimoji="1" lang="en-US" altLang="zh-CN" dirty="0" smtClean="0">
+              <a:rPr kumimoji="1" lang="en-US" altLang="zh-CN" dirty="0">
                 <a:latin typeface="Times New Roman" charset="0"/>
                 <a:ea typeface="楷体" charset="-122"/>
               </a:rPr>
               <a:t>0010</a:t>
             </a:r>
             <a:r>
-              <a:rPr kumimoji="1" lang="zh-CN" altLang="en-US" dirty="0" smtClean="0">
+              <a:rPr kumimoji="1" lang="zh-CN" altLang="en-US" dirty="0">
                 <a:latin typeface="Times New Roman" charset="0"/>
                 <a:ea typeface="楷体" charset="-122"/>
               </a:rPr>
               <a:t> </a:t>
             </a:r>
             <a:r>
-              <a:rPr kumimoji="1" lang="en-US" altLang="zh-CN" dirty="0" smtClean="0">
+              <a:rPr kumimoji="1" lang="en-US" altLang="zh-CN" dirty="0">
                 <a:latin typeface="Times New Roman" charset="0"/>
                 <a:ea typeface="楷体" charset="-122"/>
               </a:rPr>
               <a:t>+</a:t>
             </a:r>
             <a:r>
-              <a:rPr kumimoji="1" lang="zh-CN" altLang="en-US" dirty="0" smtClean="0">
+              <a:rPr kumimoji="1" lang="zh-CN" altLang="en-US" dirty="0">
                 <a:latin typeface="Times New Roman" charset="0"/>
                 <a:ea typeface="楷体" charset="-122"/>
               </a:rPr>
@@ -9933,211 +9867,207 @@
               <a:t> </a:t>
             </a:r>
             <a:r>
-              <a:rPr kumimoji="1" lang="en-US" altLang="zh-CN" dirty="0" smtClean="0">
+              <a:rPr kumimoji="1" lang="en-US" altLang="zh-CN" dirty="0">
                 <a:latin typeface="Times New Roman" charset="0"/>
                 <a:ea typeface="楷体" charset="-122"/>
               </a:rPr>
               <a:t>0100</a:t>
             </a:r>
             <a:r>
-              <a:rPr kumimoji="1" lang="zh-CN" altLang="en-US" dirty="0" smtClean="0">
+              <a:rPr kumimoji="1" lang="zh-CN" altLang="en-US" dirty="0">
                 <a:latin typeface="Times New Roman" charset="0"/>
                 <a:ea typeface="楷体" charset="-122"/>
               </a:rPr>
               <a:t>，对应成十进制的加法，即 </a:t>
             </a:r>
             <a:r>
-              <a:rPr kumimoji="1" lang="en-US" altLang="zh-CN" dirty="0" smtClean="0">
+              <a:rPr kumimoji="1" lang="en-US" altLang="zh-CN" dirty="0">
                 <a:latin typeface="Times New Roman" charset="0"/>
                 <a:ea typeface="楷体" charset="-122"/>
               </a:rPr>
               <a:t>6</a:t>
             </a:r>
             <a:r>
-              <a:rPr kumimoji="1" lang="zh-CN" altLang="en-US" dirty="0" smtClean="0">
+              <a:rPr kumimoji="1" lang="zh-CN" altLang="en-US" dirty="0">
                 <a:latin typeface="Times New Roman" charset="0"/>
                 <a:ea typeface="楷体" charset="-122"/>
               </a:rPr>
               <a:t> </a:t>
             </a:r>
             <a:r>
-              <a:rPr kumimoji="1" lang="en-US" altLang="zh-CN" dirty="0" smtClean="0">
+              <a:rPr kumimoji="1" lang="en-US" altLang="zh-CN" dirty="0">
                 <a:latin typeface="Times New Roman" charset="0"/>
                 <a:ea typeface="楷体" charset="-122"/>
               </a:rPr>
               <a:t>=</a:t>
             </a:r>
             <a:r>
-              <a:rPr kumimoji="1" lang="zh-CN" altLang="en-US" dirty="0" smtClean="0">
+              <a:rPr kumimoji="1" lang="zh-CN" altLang="en-US" dirty="0">
                 <a:latin typeface="Times New Roman" charset="0"/>
                 <a:ea typeface="楷体" charset="-122"/>
               </a:rPr>
               <a:t> </a:t>
             </a:r>
             <a:r>
-              <a:rPr kumimoji="1" lang="en-US" altLang="zh-CN" dirty="0" smtClean="0">
+              <a:rPr kumimoji="1" lang="en-US" altLang="zh-CN" dirty="0">
                 <a:latin typeface="Times New Roman" charset="0"/>
                 <a:ea typeface="楷体" charset="-122"/>
               </a:rPr>
               <a:t>2</a:t>
             </a:r>
             <a:r>
-              <a:rPr kumimoji="1" lang="zh-CN" altLang="en-US" dirty="0" smtClean="0">
+              <a:rPr kumimoji="1" lang="zh-CN" altLang="en-US" dirty="0">
                 <a:latin typeface="Times New Roman" charset="0"/>
                 <a:ea typeface="楷体" charset="-122"/>
               </a:rPr>
               <a:t> </a:t>
             </a:r>
             <a:r>
-              <a:rPr kumimoji="1" lang="en-US" altLang="zh-CN" dirty="0" smtClean="0">
+              <a:rPr kumimoji="1" lang="en-US" altLang="zh-CN" dirty="0">
                 <a:latin typeface="Times New Roman" charset="0"/>
                 <a:ea typeface="楷体" charset="-122"/>
               </a:rPr>
               <a:t>+</a:t>
             </a:r>
             <a:r>
-              <a:rPr kumimoji="1" lang="zh-CN" altLang="en-US" dirty="0" smtClean="0">
+              <a:rPr kumimoji="1" lang="zh-CN" altLang="en-US" dirty="0">
                 <a:latin typeface="Times New Roman" charset="0"/>
                 <a:ea typeface="楷体" charset="-122"/>
               </a:rPr>
               <a:t> </a:t>
             </a:r>
             <a:r>
-              <a:rPr kumimoji="1" lang="en-US" altLang="zh-CN" dirty="0" smtClean="0">
+              <a:rPr kumimoji="1" lang="en-US" altLang="zh-CN" dirty="0">
                 <a:latin typeface="Times New Roman" charset="0"/>
                 <a:ea typeface="楷体" charset="-122"/>
               </a:rPr>
               <a:t>4</a:t>
             </a:r>
             <a:r>
-              <a:rPr kumimoji="1" lang="zh-CN" altLang="en-US" dirty="0" smtClean="0">
+              <a:rPr kumimoji="1" lang="zh-CN" altLang="en-US" dirty="0">
                 <a:latin typeface="Times New Roman" charset="0"/>
                 <a:ea typeface="楷体" charset="-122"/>
               </a:rPr>
               <a:t>。对应到前缀和这件事情上，就是：</a:t>
             </a:r>
-            <a:endParaRPr kumimoji="1" lang="en-US" altLang="zh-CN" dirty="0" smtClean="0">
+            <a:endParaRPr kumimoji="1" lang="en-US" altLang="zh-CN" dirty="0">
               <a:latin typeface="Times New Roman" charset="0"/>
               <a:ea typeface="楷体" charset="-122"/>
             </a:endParaRPr>
           </a:p>
           <a:p>
             <a:r>
-              <a:rPr kumimoji="1" lang="en-US" altLang="zh-CN" dirty="0" smtClean="0">
+              <a:rPr kumimoji="1" lang="en-US" altLang="zh-CN" dirty="0">
                 <a:latin typeface="Times New Roman" charset="0"/>
                 <a:ea typeface="楷体" charset="-122"/>
               </a:rPr>
               <a:t>sum6</a:t>
             </a:r>
             <a:r>
-              <a:rPr kumimoji="1" lang="zh-CN" altLang="en-US" dirty="0" smtClean="0">
+              <a:rPr kumimoji="1" lang="zh-CN" altLang="en-US" dirty="0">
                 <a:latin typeface="Times New Roman" charset="0"/>
                 <a:ea typeface="楷体" charset="-122"/>
               </a:rPr>
               <a:t> </a:t>
             </a:r>
             <a:r>
-              <a:rPr kumimoji="1" lang="en-US" altLang="zh-CN" dirty="0" smtClean="0">
+              <a:rPr kumimoji="1" lang="en-US" altLang="zh-CN" dirty="0">
                 <a:latin typeface="Times New Roman" charset="0"/>
                 <a:ea typeface="楷体" charset="-122"/>
               </a:rPr>
               <a:t>=</a:t>
             </a:r>
             <a:r>
-              <a:rPr kumimoji="1" lang="zh-CN" altLang="en-US" dirty="0" smtClean="0">
+              <a:rPr kumimoji="1" lang="zh-CN" altLang="en-US" dirty="0">
                 <a:latin typeface="Times New Roman" charset="0"/>
                 <a:ea typeface="楷体" charset="-122"/>
               </a:rPr>
               <a:t> </a:t>
             </a:r>
             <a:r>
-              <a:rPr kumimoji="1" lang="en-US" altLang="zh-CN" dirty="0" err="1" smtClean="0">
+              <a:rPr kumimoji="1" lang="en-US" altLang="zh-CN" dirty="0" err="1">
                 <a:latin typeface="Times New Roman" charset="0"/>
                 <a:ea typeface="楷体" charset="-122"/>
               </a:rPr>
               <a:t>nums</a:t>
             </a:r>
             <a:r>
-              <a:rPr kumimoji="1" lang="en-US" altLang="zh-CN" dirty="0" smtClean="0">
+              <a:rPr kumimoji="1" lang="en-US" altLang="zh-CN" dirty="0">
                 <a:latin typeface="Times New Roman" charset="0"/>
                 <a:ea typeface="楷体" charset="-122"/>
               </a:rPr>
               <a:t>[5]</a:t>
             </a:r>
             <a:r>
-              <a:rPr kumimoji="1" lang="zh-CN" altLang="en-US" dirty="0" smtClean="0">
+              <a:rPr kumimoji="1" lang="zh-CN" altLang="en-US" dirty="0">
                 <a:latin typeface="Times New Roman" charset="0"/>
                 <a:ea typeface="楷体" charset="-122"/>
               </a:rPr>
               <a:t> </a:t>
             </a:r>
             <a:r>
-              <a:rPr kumimoji="1" lang="en-US" altLang="zh-CN" dirty="0" smtClean="0">
+              <a:rPr kumimoji="1" lang="en-US" altLang="zh-CN" dirty="0">
                 <a:latin typeface="Times New Roman" charset="0"/>
                 <a:ea typeface="楷体" charset="-122"/>
               </a:rPr>
               <a:t>+</a:t>
             </a:r>
             <a:r>
-              <a:rPr kumimoji="1" lang="zh-CN" altLang="en-US" dirty="0" smtClean="0">
+              <a:rPr kumimoji="1" lang="zh-CN" altLang="en-US" dirty="0">
                 <a:latin typeface="Times New Roman" charset="0"/>
                 <a:ea typeface="楷体" charset="-122"/>
               </a:rPr>
               <a:t> </a:t>
             </a:r>
             <a:r>
-              <a:rPr kumimoji="1" lang="en-US" altLang="zh-CN" dirty="0" err="1" smtClean="0">
+              <a:rPr kumimoji="1" lang="en-US" altLang="zh-CN" dirty="0" err="1">
                 <a:latin typeface="Times New Roman" charset="0"/>
                 <a:ea typeface="楷体" charset="-122"/>
               </a:rPr>
               <a:t>nums</a:t>
             </a:r>
             <a:r>
-              <a:rPr kumimoji="1" lang="en-US" altLang="zh-CN" dirty="0" smtClean="0">
+              <a:rPr kumimoji="1" lang="en-US" altLang="zh-CN" dirty="0">
                 <a:latin typeface="Times New Roman" charset="0"/>
                 <a:ea typeface="楷体" charset="-122"/>
               </a:rPr>
               <a:t>[6]</a:t>
             </a:r>
             <a:r>
-              <a:rPr kumimoji="1" lang="zh-CN" altLang="en-US" dirty="0" smtClean="0">
+              <a:rPr kumimoji="1" lang="zh-CN" altLang="en-US" dirty="0">
                 <a:latin typeface="Times New Roman" charset="0"/>
                 <a:ea typeface="楷体" charset="-122"/>
               </a:rPr>
               <a:t> </a:t>
             </a:r>
             <a:r>
-              <a:rPr kumimoji="1" lang="en-US" altLang="zh-CN" dirty="0" smtClean="0">
+              <a:rPr kumimoji="1" lang="en-US" altLang="zh-CN" dirty="0">
                 <a:latin typeface="Times New Roman" charset="0"/>
                 <a:ea typeface="楷体" charset="-122"/>
               </a:rPr>
               <a:t>+</a:t>
             </a:r>
             <a:r>
-              <a:rPr kumimoji="1" lang="zh-CN" altLang="en-US" dirty="0" smtClean="0">
+              <a:rPr kumimoji="1" lang="zh-CN" altLang="en-US" dirty="0">
                 <a:latin typeface="Times New Roman" charset="0"/>
                 <a:ea typeface="楷体" charset="-122"/>
               </a:rPr>
               <a:t> </a:t>
             </a:r>
             <a:r>
-              <a:rPr kumimoji="1" lang="en-US" altLang="zh-CN" dirty="0" smtClean="0">
+              <a:rPr kumimoji="1" lang="en-US" altLang="zh-CN" dirty="0">
                 <a:latin typeface="Times New Roman" charset="0"/>
                 <a:ea typeface="楷体" charset="-122"/>
               </a:rPr>
               <a:t>sum4</a:t>
             </a:r>
             <a:r>
-              <a:rPr kumimoji="1" lang="zh-CN" altLang="en-US" dirty="0" smtClean="0">
+              <a:rPr kumimoji="1" lang="zh-CN" altLang="en-US" dirty="0">
                 <a:latin typeface="Times New Roman" charset="0"/>
                 <a:ea typeface="楷体" charset="-122"/>
               </a:rPr>
               <a:t>。</a:t>
             </a:r>
-            <a:endParaRPr kumimoji="1" lang="zh-CN" altLang="en-US" dirty="0" smtClean="0">
-              <a:latin typeface="Times New Roman" charset="0"/>
-              <a:ea typeface="楷体" charset="-122"/>
-            </a:endParaRPr>
           </a:p>
         </p:txBody>
       </p:sp>
@@ -10199,44 +10129,26 @@
           <a:lstStyle/>
           <a:p>
             <a:r>
-              <a:rPr kumimoji="1" lang="zh-CN" altLang="en-US" sz="2400" dirty="0" smtClean="0">
+              <a:rPr kumimoji="1" lang="zh-CN" altLang="en-US" sz="2400" dirty="0">
                 <a:latin typeface="Times New Roman" charset="0"/>
                 <a:ea typeface="黑体" charset="-122"/>
               </a:rPr>
-              <a:t>树状数组</a:t>
-            </a:r>
-            <a:r>
-              <a:rPr kumimoji="1" lang="zh-CN" altLang="en-US" sz="2400" dirty="0" smtClean="0">
+              <a:t>树状数组简介（</a:t>
+            </a:r>
+            <a:r>
+              <a:rPr kumimoji="1" lang="en-US" altLang="zh-CN" sz="2400" dirty="0">
                 <a:latin typeface="Times New Roman" charset="0"/>
                 <a:ea typeface="黑体" charset="-122"/>
               </a:rPr>
-              <a:t>简介</a:t>
-            </a:r>
-            <a:r>
-              <a:rPr kumimoji="1" lang="zh-CN" altLang="en-US" sz="2400" dirty="0" smtClean="0">
+              <a:t>13</a:t>
+            </a:r>
+            <a:r>
+              <a:rPr kumimoji="1" lang="zh-CN" altLang="en-US" sz="2400" dirty="0">
                 <a:latin typeface="Times New Roman" charset="0"/>
                 <a:ea typeface="黑体" charset="-122"/>
               </a:rPr>
-              <a:t>（</a:t>
-            </a:r>
-            <a:r>
-              <a:rPr kumimoji="1" lang="en-US" altLang="zh-CN" sz="2400" dirty="0" smtClean="0">
-                <a:latin typeface="Times New Roman" charset="0"/>
-                <a:ea typeface="黑体" charset="-122"/>
-              </a:rPr>
-              <a:t>13</a:t>
-            </a:r>
-            <a:r>
-              <a:rPr kumimoji="1" lang="zh-CN" altLang="en-US" sz="2400" dirty="0" smtClean="0">
-                <a:latin typeface="Times New Roman" charset="0"/>
-                <a:ea typeface="黑体" charset="-122"/>
-              </a:rPr>
               <a:t>）</a:t>
             </a:r>
-            <a:endParaRPr kumimoji="1" lang="zh-CN" altLang="en-US" sz="2400" dirty="0">
-              <a:latin typeface="Times New Roman" charset="0"/>
-              <a:ea typeface="黑体" charset="-122"/>
-            </a:endParaRPr>
           </a:p>
         </p:txBody>
       </p:sp>
@@ -10262,140 +10174,136 @@
           <a:lstStyle/>
           <a:p>
             <a:r>
-              <a:rPr kumimoji="1" lang="zh-CN" altLang="en-US" dirty="0" smtClean="0">
+              <a:rPr kumimoji="1" lang="zh-CN" altLang="en-US" dirty="0">
                 <a:latin typeface="Times New Roman" charset="0"/>
                 <a:ea typeface="楷体" charset="-122"/>
               </a:rPr>
               <a:t>树状数组总结：</a:t>
             </a:r>
-            <a:endParaRPr kumimoji="1" lang="en-US" altLang="zh-CN" dirty="0" smtClean="0">
+            <a:endParaRPr kumimoji="1" lang="en-US" altLang="zh-CN" dirty="0">
               <a:latin typeface="Times New Roman" charset="0"/>
               <a:ea typeface="楷体" charset="-122"/>
             </a:endParaRPr>
           </a:p>
           <a:p>
             <a:r>
-              <a:rPr kumimoji="1" lang="en-US" altLang="zh-CN" dirty="0" smtClean="0">
+              <a:rPr kumimoji="1" lang="en-US" altLang="zh-CN" dirty="0">
                 <a:latin typeface="Times New Roman" charset="0"/>
                 <a:ea typeface="楷体" charset="-122"/>
               </a:rPr>
               <a:t>1</a:t>
             </a:r>
             <a:r>
-              <a:rPr kumimoji="1" lang="zh-CN" altLang="en-US" dirty="0" smtClean="0">
+              <a:rPr kumimoji="1" lang="zh-CN" altLang="en-US" dirty="0">
                 <a:latin typeface="Times New Roman" charset="0"/>
                 <a:ea typeface="楷体" charset="-122"/>
               </a:rPr>
               <a:t>、内部数组从 </a:t>
             </a:r>
             <a:r>
-              <a:rPr kumimoji="1" lang="en-US" altLang="zh-CN" dirty="0" smtClean="0">
+              <a:rPr kumimoji="1" lang="en-US" altLang="zh-CN" dirty="0">
                 <a:latin typeface="Times New Roman" charset="0"/>
                 <a:ea typeface="楷体" charset="-122"/>
               </a:rPr>
               <a:t>1</a:t>
             </a:r>
             <a:r>
-              <a:rPr kumimoji="1" lang="zh-CN" altLang="en-US" dirty="0" smtClean="0">
+              <a:rPr kumimoji="1" lang="zh-CN" altLang="en-US" dirty="0">
                 <a:latin typeface="Times New Roman" charset="0"/>
                 <a:ea typeface="楷体" charset="-122"/>
               </a:rPr>
               <a:t> 开始，构造树状数组的 </a:t>
             </a:r>
             <a:r>
-              <a:rPr kumimoji="1" lang="en-US" altLang="zh-CN" dirty="0" smtClean="0">
+              <a:rPr kumimoji="1" lang="en-US" altLang="zh-CN" dirty="0">
                 <a:latin typeface="Times New Roman" charset="0"/>
                 <a:ea typeface="楷体" charset="-122"/>
               </a:rPr>
               <a:t>n</a:t>
             </a:r>
             <a:r>
-              <a:rPr kumimoji="1" lang="zh-CN" altLang="en-US" dirty="0" smtClean="0">
+              <a:rPr kumimoji="1" lang="zh-CN" altLang="en-US" dirty="0">
                 <a:latin typeface="Times New Roman" charset="0"/>
                 <a:ea typeface="楷体" charset="-122"/>
               </a:rPr>
               <a:t> 是原始数组的长度 </a:t>
             </a:r>
             <a:r>
-              <a:rPr kumimoji="1" lang="en-US" altLang="zh-CN" dirty="0" smtClean="0">
+              <a:rPr kumimoji="1" lang="en-US" altLang="zh-CN" dirty="0">
                 <a:latin typeface="Times New Roman" charset="0"/>
                 <a:ea typeface="楷体" charset="-122"/>
               </a:rPr>
               <a:t>+</a:t>
             </a:r>
             <a:r>
-              <a:rPr kumimoji="1" lang="zh-CN" altLang="en-US" dirty="0" smtClean="0">
+              <a:rPr kumimoji="1" lang="zh-CN" altLang="en-US" dirty="0">
                 <a:latin typeface="Times New Roman" charset="0"/>
                 <a:ea typeface="楷体" charset="-122"/>
               </a:rPr>
               <a:t> </a:t>
             </a:r>
             <a:r>
-              <a:rPr kumimoji="1" lang="en-US" altLang="zh-CN" dirty="0" smtClean="0">
+              <a:rPr kumimoji="1" lang="en-US" altLang="zh-CN" dirty="0">
                 <a:latin typeface="Times New Roman" charset="0"/>
                 <a:ea typeface="楷体" charset="-122"/>
               </a:rPr>
               <a:t>1</a:t>
             </a:r>
             <a:r>
-              <a:rPr kumimoji="1" lang="zh-CN" altLang="en-US" dirty="0" smtClean="0">
+              <a:rPr kumimoji="1" lang="zh-CN" altLang="en-US" dirty="0">
                 <a:latin typeface="Times New Roman" charset="0"/>
                 <a:ea typeface="楷体" charset="-122"/>
               </a:rPr>
               <a:t>；</a:t>
             </a:r>
-            <a:endParaRPr kumimoji="1" lang="en-US" altLang="zh-CN" dirty="0" smtClean="0">
+            <a:endParaRPr kumimoji="1" lang="en-US" altLang="zh-CN" dirty="0">
               <a:latin typeface="Times New Roman" charset="0"/>
               <a:ea typeface="楷体" charset="-122"/>
             </a:endParaRPr>
           </a:p>
           <a:p>
             <a:r>
-              <a:rPr kumimoji="1" lang="en-US" altLang="zh-CN" dirty="0" smtClean="0">
+              <a:rPr kumimoji="1" lang="en-US" altLang="zh-CN" dirty="0">
                 <a:latin typeface="Times New Roman" charset="0"/>
                 <a:ea typeface="楷体" charset="-122"/>
               </a:rPr>
               <a:t>2</a:t>
             </a:r>
             <a:r>
-              <a:rPr kumimoji="1" lang="zh-CN" altLang="en-US" dirty="0" smtClean="0">
+              <a:rPr kumimoji="1" lang="zh-CN" altLang="en-US" dirty="0">
                 <a:latin typeface="Times New Roman" charset="0"/>
                 <a:ea typeface="楷体" charset="-122"/>
               </a:rPr>
               <a:t>、树状数组只支持两种操作：（</a:t>
             </a:r>
             <a:r>
-              <a:rPr kumimoji="1" lang="en-US" altLang="zh-CN" dirty="0" smtClean="0">
+              <a:rPr kumimoji="1" lang="en-US" altLang="zh-CN" dirty="0">
                 <a:latin typeface="Times New Roman" charset="0"/>
                 <a:ea typeface="楷体" charset="-122"/>
               </a:rPr>
               <a:t>1</a:t>
             </a:r>
             <a:r>
-              <a:rPr kumimoji="1" lang="zh-CN" altLang="en-US" dirty="0" smtClean="0">
+              <a:rPr kumimoji="1" lang="zh-CN" altLang="en-US" dirty="0">
                 <a:latin typeface="Times New Roman" charset="0"/>
                 <a:ea typeface="楷体" charset="-122"/>
               </a:rPr>
               <a:t>）更新（传入的参数是一个变化值）（</a:t>
             </a:r>
             <a:r>
-              <a:rPr kumimoji="1" lang="en-US" altLang="zh-CN" dirty="0" smtClean="0">
+              <a:rPr kumimoji="1" lang="en-US" altLang="zh-CN" dirty="0">
                 <a:latin typeface="Times New Roman" charset="0"/>
                 <a:ea typeface="楷体" charset="-122"/>
               </a:rPr>
               <a:t>2</a:t>
             </a:r>
             <a:r>
-              <a:rPr kumimoji="1" lang="zh-CN" altLang="en-US" dirty="0" smtClean="0">
+              <a:rPr kumimoji="1" lang="zh-CN" altLang="en-US" dirty="0">
                 <a:latin typeface="Times New Roman" charset="0"/>
                 <a:ea typeface="楷体" charset="-122"/>
               </a:rPr>
               <a:t>）查询前缀和。可以说树状数组是为专门解决这一类问题而生的。</a:t>
             </a:r>
-            <a:endParaRPr kumimoji="1" lang="zh-CN" altLang="en-US" dirty="0" smtClean="0">
-              <a:latin typeface="Times New Roman" charset="0"/>
-              <a:ea typeface="楷体" charset="-122"/>
-            </a:endParaRPr>
           </a:p>
         </p:txBody>
       </p:sp>
@@ -10409,13 +10317,6 @@
   <p:clrMapOvr>
     <a:masterClrMapping/>
   </p:clrMapOvr>
-  <p:timing>
-    <p:tnLst>
-      <p:par>
-        <p:cTn id="1" dur="indefinite" restart="never" nodeType="tmRoot"/>
-      </p:par>
-    </p:tnLst>
-  </p:timing>
 </p:sld>
 </file>
 
@@ -10494,44 +10395,26 @@
           <a:lstStyle/>
           <a:p>
             <a:r>
-              <a:rPr kumimoji="1" lang="zh-CN" altLang="en-US" sz="2400" dirty="0" smtClean="0">
+              <a:rPr kumimoji="1" lang="zh-CN" altLang="en-US" sz="2400" dirty="0">
                 <a:latin typeface="Times New Roman" charset="0"/>
                 <a:ea typeface="黑体" charset="-122"/>
               </a:rPr>
-              <a:t>树状数组</a:t>
-            </a:r>
-            <a:r>
-              <a:rPr kumimoji="1" lang="zh-CN" altLang="en-US" sz="2400" dirty="0" smtClean="0">
+              <a:t>树状数组简介（</a:t>
+            </a:r>
+            <a:r>
+              <a:rPr kumimoji="1" lang="en-US" altLang="zh-CN" sz="2400" dirty="0">
                 <a:latin typeface="Times New Roman" charset="0"/>
                 <a:ea typeface="黑体" charset="-122"/>
               </a:rPr>
-              <a:t>简介</a:t>
-            </a:r>
-            <a:r>
-              <a:rPr kumimoji="1" lang="zh-CN" altLang="en-US" sz="2400" dirty="0" smtClean="0">
+              <a:t>2</a:t>
+            </a:r>
+            <a:r>
+              <a:rPr kumimoji="1" lang="zh-CN" altLang="en-US" sz="2400" dirty="0">
                 <a:latin typeface="Times New Roman" charset="0"/>
                 <a:ea typeface="黑体" charset="-122"/>
               </a:rPr>
-              <a:t>（</a:t>
-            </a:r>
-            <a:r>
-              <a:rPr kumimoji="1" lang="en-US" altLang="zh-CN" sz="2400" dirty="0" smtClean="0">
-                <a:latin typeface="Times New Roman" charset="0"/>
-                <a:ea typeface="黑体" charset="-122"/>
-              </a:rPr>
-              <a:t>2</a:t>
-            </a:r>
-            <a:r>
-              <a:rPr kumimoji="1" lang="zh-CN" altLang="en-US" sz="2400" dirty="0" smtClean="0">
-                <a:latin typeface="Times New Roman" charset="0"/>
-                <a:ea typeface="黑体" charset="-122"/>
-              </a:rPr>
               <a:t>）</a:t>
             </a:r>
-            <a:endParaRPr kumimoji="1" lang="zh-CN" altLang="en-US" sz="2400" dirty="0">
-              <a:latin typeface="Times New Roman" charset="0"/>
-              <a:ea typeface="黑体" charset="-122"/>
-            </a:endParaRPr>
           </a:p>
         </p:txBody>
       </p:sp>
@@ -10557,90 +10440,83 @@
           <a:lstStyle/>
           <a:p>
             <a:r>
-              <a:rPr lang="zh-CN" altLang="en-US" sz="2000" dirty="0" smtClean="0">
+              <a:rPr lang="zh-CN" altLang="en-US" sz="2000" dirty="0">
                 <a:latin typeface="Times New Roman" charset="0"/>
                 <a:ea typeface="楷体" charset="-122"/>
               </a:rPr>
               <a:t>此时 </a:t>
             </a:r>
             <a:r>
-              <a:rPr lang="en-US" altLang="zh-CN" sz="2000" dirty="0" smtClean="0">
+              <a:rPr lang="en-US" altLang="zh-CN" sz="2000" dirty="0">
                 <a:latin typeface="Times New Roman" charset="0"/>
                 <a:ea typeface="楷体" charset="-122"/>
               </a:rPr>
               <a:t>C1 </a:t>
             </a:r>
             <a:r>
-              <a:rPr lang="zh-CN" altLang="en-US" sz="2000" dirty="0" smtClean="0">
+              <a:rPr lang="zh-CN" altLang="en-US" sz="2000" dirty="0">
                 <a:latin typeface="Times New Roman" charset="0"/>
                 <a:ea typeface="楷体" charset="-122"/>
               </a:rPr>
               <a:t>的高度是 </a:t>
             </a:r>
             <a:r>
-              <a:rPr lang="en-US" altLang="zh-CN" sz="2000" dirty="0" smtClean="0">
+              <a:rPr lang="en-US" altLang="zh-CN" sz="2000" dirty="0">
                 <a:latin typeface="Times New Roman" charset="0"/>
                 <a:ea typeface="楷体" charset="-122"/>
               </a:rPr>
               <a:t>1</a:t>
             </a:r>
             <a:r>
-              <a:rPr lang="zh-CN" altLang="en-US" sz="2000" dirty="0" smtClean="0">
+              <a:rPr lang="zh-CN" altLang="en-US" sz="2000" dirty="0">
                 <a:latin typeface="Times New Roman" charset="0"/>
                 <a:ea typeface="楷体" charset="-122"/>
               </a:rPr>
               <a:t>，因此 </a:t>
             </a:r>
             <a:r>
-              <a:rPr lang="en-US" altLang="zh-CN" sz="2000" dirty="0" smtClean="0">
+              <a:rPr lang="en-US" altLang="zh-CN" sz="2000" dirty="0">
                 <a:latin typeface="Times New Roman" charset="0"/>
                 <a:ea typeface="楷体" charset="-122"/>
               </a:rPr>
               <a:t>C1 </a:t>
             </a:r>
             <a:r>
-              <a:rPr lang="zh-CN" altLang="en-US" sz="2000" dirty="0" smtClean="0">
+              <a:rPr lang="zh-CN" altLang="en-US" sz="2000" dirty="0">
                 <a:latin typeface="Times New Roman" charset="0"/>
                 <a:ea typeface="楷体" charset="-122"/>
               </a:rPr>
               <a:t>的梯子宽度只能让 </a:t>
             </a:r>
             <a:r>
-              <a:rPr lang="en-US" altLang="zh-CN" sz="2000" dirty="0" smtClean="0">
+              <a:rPr lang="en-US" altLang="zh-CN" sz="2000" dirty="0">
                 <a:latin typeface="Times New Roman" charset="0"/>
                 <a:ea typeface="楷体" charset="-122"/>
               </a:rPr>
               <a:t>A2 </a:t>
             </a:r>
             <a:r>
-              <a:rPr lang="zh-CN" altLang="en-US" sz="2000" dirty="0" smtClean="0">
+              <a:rPr lang="zh-CN" altLang="en-US" sz="2000" dirty="0">
                 <a:latin typeface="Times New Roman" charset="0"/>
                 <a:ea typeface="楷体" charset="-122"/>
               </a:rPr>
               <a:t>够得着。 </a:t>
             </a:r>
             <a:r>
-              <a:rPr lang="en-US" altLang="zh-CN" sz="2000" dirty="0" smtClean="0">
+              <a:rPr lang="en-US" altLang="zh-CN" sz="2000" dirty="0">
                 <a:latin typeface="Times New Roman" charset="0"/>
                 <a:ea typeface="楷体" charset="-122"/>
               </a:rPr>
               <a:t>C1 </a:t>
             </a:r>
             <a:r>
-              <a:rPr lang="zh-CN" altLang="en-US" sz="2000" dirty="0" smtClean="0">
-                <a:latin typeface="Times New Roman" charset="0"/>
-                <a:ea typeface="楷体" charset="-122"/>
-              </a:rPr>
-              <a:t>的梯子能够让别人跳上的高度也和梯子的高度相当</a:t>
-            </a:r>
-            <a:r>
-              <a:rPr lang="zh-CN" altLang="en-US" sz="2000" dirty="0" smtClean="0">
-                <a:latin typeface="Times New Roman" charset="0"/>
-                <a:ea typeface="楷体" charset="-122"/>
-              </a:rPr>
-              <a:t>。</a:t>
-            </a:r>
-            <a:endParaRPr lang="en-US" altLang="zh-CN" sz="2000" dirty="0" smtClean="0">
+              <a:rPr lang="zh-CN" altLang="en-US" sz="2000" dirty="0">
+                <a:latin typeface="Times New Roman" charset="0"/>
+                <a:ea typeface="楷体" charset="-122"/>
+              </a:rPr>
+              <a:t>的梯子能够让别人跳上的高度也和梯子的高度相当。</a:t>
+            </a:r>
+            <a:endParaRPr lang="en-US" altLang="zh-CN" sz="2000" dirty="0">
               <a:latin typeface="Times New Roman" charset="0"/>
               <a:ea typeface="楷体" charset="-122"/>
             </a:endParaRPr>
@@ -10673,14 +10549,7 @@
                 <a:latin typeface="Times New Roman" charset="0"/>
                 <a:ea typeface="楷体" charset="-122"/>
               </a:rPr>
-              <a:t>组建树状数组的基本规则：前人栽树，后人乘凉，前人搭梯子，后人跳更高，后人不</a:t>
-            </a:r>
-            <a:r>
-              <a:rPr lang="zh-CN" altLang="en-US" sz="2000" dirty="0" smtClean="0">
-                <a:latin typeface="Times New Roman" charset="0"/>
-                <a:ea typeface="楷体" charset="-122"/>
-              </a:rPr>
-              <a:t>忘恩（话粗理不粗，请大家见谅）。</a:t>
+              <a:t>组建树状数组的基本规则：前人栽树，后人乘凉，前人搭梯子，后人跳更高，后人不忘恩（话粗理不粗，请大家见谅）。</a:t>
             </a:r>
             <a:endParaRPr lang="en-US" altLang="zh-CN" sz="2000" dirty="0">
               <a:latin typeface="Times New Roman" charset="0"/>
@@ -10856,13 +10725,6 @@
   <p:clrMapOvr>
     <a:masterClrMapping/>
   </p:clrMapOvr>
-  <p:timing>
-    <p:tnLst>
-      <p:par>
-        <p:cTn id="1" dur="indefinite" restart="never" nodeType="tmRoot"/>
-      </p:par>
-    </p:tnLst>
-  </p:timing>
 </p:sld>
 </file>
 
@@ -10941,44 +10803,26 @@
           <a:lstStyle/>
           <a:p>
             <a:r>
-              <a:rPr kumimoji="1" lang="zh-CN" altLang="en-US" sz="2400" dirty="0" smtClean="0">
+              <a:rPr kumimoji="1" lang="zh-CN" altLang="en-US" sz="2400" dirty="0">
                 <a:latin typeface="Times New Roman" charset="0"/>
                 <a:ea typeface="黑体" charset="-122"/>
               </a:rPr>
-              <a:t>树状数组</a:t>
-            </a:r>
-            <a:r>
-              <a:rPr kumimoji="1" lang="zh-CN" altLang="en-US" sz="2400" dirty="0" smtClean="0">
+              <a:t>树状数组简介（</a:t>
+            </a:r>
+            <a:r>
+              <a:rPr kumimoji="1" lang="en-US" altLang="zh-CN" sz="2400" dirty="0">
                 <a:latin typeface="Times New Roman" charset="0"/>
                 <a:ea typeface="黑体" charset="-122"/>
               </a:rPr>
-              <a:t>简介</a:t>
-            </a:r>
-            <a:r>
-              <a:rPr kumimoji="1" lang="zh-CN" altLang="en-US" sz="2400" dirty="0" smtClean="0">
+              <a:t>3</a:t>
+            </a:r>
+            <a:r>
+              <a:rPr kumimoji="1" lang="zh-CN" altLang="en-US" sz="2400" dirty="0">
                 <a:latin typeface="Times New Roman" charset="0"/>
                 <a:ea typeface="黑体" charset="-122"/>
               </a:rPr>
-              <a:t>（</a:t>
-            </a:r>
-            <a:r>
-              <a:rPr kumimoji="1" lang="en-US" altLang="zh-CN" sz="2400" dirty="0" smtClean="0">
-                <a:latin typeface="Times New Roman" charset="0"/>
-                <a:ea typeface="黑体" charset="-122"/>
-              </a:rPr>
-              <a:t>3</a:t>
-            </a:r>
-            <a:r>
-              <a:rPr kumimoji="1" lang="zh-CN" altLang="en-US" sz="2400" dirty="0" smtClean="0">
-                <a:latin typeface="Times New Roman" charset="0"/>
-                <a:ea typeface="黑体" charset="-122"/>
-              </a:rPr>
               <a:t>）</a:t>
             </a:r>
-            <a:endParaRPr kumimoji="1" lang="zh-CN" altLang="en-US" sz="2400" dirty="0">
-              <a:latin typeface="Times New Roman" charset="0"/>
-              <a:ea typeface="黑体" charset="-122"/>
-            </a:endParaRPr>
           </a:p>
         </p:txBody>
       </p:sp>
@@ -11230,14 +11074,7 @@
                 <a:latin typeface="Times New Roman" charset="0"/>
                 <a:ea typeface="楷体" charset="-122"/>
               </a:rPr>
-              <a:t>能够得着</a:t>
-            </a:r>
-            <a:r>
-              <a:rPr lang="zh-CN" altLang="en-US" sz="2000" dirty="0">
-                <a:latin typeface="Times New Roman" charset="0"/>
-                <a:ea typeface="楷体" charset="-122"/>
-              </a:rPr>
-              <a:t>。</a:t>
+              <a:t>能够得着。</a:t>
             </a:r>
             <a:endParaRPr lang="en-US" altLang="zh-CN" sz="2000" dirty="0">
               <a:latin typeface="Times New Roman" charset="0"/>
@@ -11303,13 +11140,6 @@
   <p:clrMapOvr>
     <a:masterClrMapping/>
   </p:clrMapOvr>
-  <p:timing>
-    <p:tnLst>
-      <p:par>
-        <p:cTn id="1" dur="indefinite" restart="never" nodeType="tmRoot"/>
-      </p:par>
-    </p:tnLst>
-  </p:timing>
 </p:sld>
 </file>
 
@@ -11377,35 +11207,21 @@
                 <a:latin typeface="Times New Roman" charset="0"/>
                 <a:ea typeface="楷体" charset="-122"/>
               </a:rPr>
-              <a:t>的动作，放了一</a:t>
+              <a:t>的动作，放了一个宽度为 </a:t>
+            </a:r>
+            <a:r>
+              <a:rPr lang="en-US" altLang="zh-CN" sz="2000" dirty="0">
+                <a:latin typeface="Times New Roman" charset="0"/>
+                <a:ea typeface="楷体" charset="-122"/>
+              </a:rPr>
+              <a:t>1 </a:t>
             </a:r>
             <a:r>
               <a:rPr lang="zh-CN" altLang="en-US" sz="2000" dirty="0">
                 <a:latin typeface="Times New Roman" charset="0"/>
                 <a:ea typeface="楷体" charset="-122"/>
               </a:rPr>
-              <a:t>个宽度为 </a:t>
-            </a:r>
-            <a:r>
-              <a:rPr lang="en-US" altLang="zh-CN" sz="2000" dirty="0">
-                <a:latin typeface="Times New Roman" charset="0"/>
-                <a:ea typeface="楷体" charset="-122"/>
-              </a:rPr>
-              <a:t>1 </a:t>
-            </a:r>
-            <a:r>
-              <a:rPr lang="zh-CN" altLang="en-US" sz="2000" dirty="0">
-                <a:latin typeface="Times New Roman" charset="0"/>
-                <a:ea typeface="楷体" charset="-122"/>
-              </a:rPr>
-              <a:t>能帮助后来人跳</a:t>
-            </a:r>
-            <a:r>
-              <a:rPr lang="zh-CN" altLang="en-US" sz="2000" dirty="0">
-                <a:latin typeface="Times New Roman" charset="0"/>
-                <a:ea typeface="楷体" charset="-122"/>
-              </a:rPr>
-              <a:t>到高度 </a:t>
+              <a:t>能帮助后来人跳到高度 </a:t>
             </a:r>
             <a:r>
               <a:rPr lang="en-US" altLang="zh-CN" sz="2000" dirty="0">
@@ -11482,44 +11298,26 @@
           <a:lstStyle/>
           <a:p>
             <a:r>
-              <a:rPr kumimoji="1" lang="zh-CN" altLang="en-US" sz="2400" dirty="0" smtClean="0">
+              <a:rPr kumimoji="1" lang="zh-CN" altLang="en-US" sz="2400" dirty="0">
                 <a:latin typeface="Times New Roman" charset="0"/>
                 <a:ea typeface="黑体" charset="-122"/>
               </a:rPr>
-              <a:t>树状数组</a:t>
-            </a:r>
-            <a:r>
-              <a:rPr kumimoji="1" lang="zh-CN" altLang="en-US" sz="2400" dirty="0" smtClean="0">
+              <a:t>树状数组简介（</a:t>
+            </a:r>
+            <a:r>
+              <a:rPr kumimoji="1" lang="en-US" altLang="zh-CN" sz="2400" dirty="0">
                 <a:latin typeface="Times New Roman" charset="0"/>
                 <a:ea typeface="黑体" charset="-122"/>
               </a:rPr>
-              <a:t>简介</a:t>
-            </a:r>
-            <a:r>
-              <a:rPr kumimoji="1" lang="zh-CN" altLang="en-US" sz="2400" dirty="0" smtClean="0">
+              <a:t>4</a:t>
+            </a:r>
+            <a:r>
+              <a:rPr kumimoji="1" lang="zh-CN" altLang="en-US" sz="2400" dirty="0">
                 <a:latin typeface="Times New Roman" charset="0"/>
                 <a:ea typeface="黑体" charset="-122"/>
               </a:rPr>
-              <a:t>（</a:t>
-            </a:r>
-            <a:r>
-              <a:rPr kumimoji="1" lang="en-US" altLang="zh-CN" sz="2400" dirty="0" smtClean="0">
-                <a:latin typeface="Times New Roman" charset="0"/>
-                <a:ea typeface="黑体" charset="-122"/>
-              </a:rPr>
-              <a:t>4</a:t>
-            </a:r>
-            <a:r>
-              <a:rPr kumimoji="1" lang="zh-CN" altLang="en-US" sz="2400" dirty="0" smtClean="0">
-                <a:latin typeface="Times New Roman" charset="0"/>
-                <a:ea typeface="黑体" charset="-122"/>
-              </a:rPr>
               <a:t>）</a:t>
             </a:r>
-            <a:endParaRPr kumimoji="1" lang="zh-CN" altLang="en-US" sz="2400" dirty="0">
-              <a:latin typeface="Times New Roman" charset="0"/>
-              <a:ea typeface="黑体" charset="-122"/>
-            </a:endParaRPr>
           </a:p>
         </p:txBody>
       </p:sp>
@@ -11557,13 +11355,6 @@
   <p:clrMapOvr>
     <a:masterClrMapping/>
   </p:clrMapOvr>
-  <p:timing>
-    <p:tnLst>
-      <p:par>
-        <p:cTn id="1" dur="indefinite" restart="never" nodeType="tmRoot"/>
-      </p:par>
-    </p:tnLst>
-  </p:timing>
 </p:sld>
 </file>
 
@@ -11669,14 +11460,7 @@
                 <a:latin typeface="Times New Roman" charset="0"/>
                 <a:ea typeface="楷体" charset="-122"/>
               </a:rPr>
-              <a:t>的梯子</a:t>
-            </a:r>
-            <a:r>
-              <a:rPr lang="zh-CN" altLang="en-US" sz="2000" dirty="0">
-                <a:latin typeface="Times New Roman" charset="0"/>
-                <a:ea typeface="楷体" charset="-122"/>
-              </a:rPr>
-              <a:t>。</a:t>
+              <a:t>的梯子。</a:t>
             </a:r>
             <a:endParaRPr lang="en-US" altLang="zh-CN" sz="2000" dirty="0">
               <a:latin typeface="Times New Roman" charset="0"/>
@@ -11689,63 +11473,49 @@
                 <a:latin typeface="Times New Roman" charset="0"/>
                 <a:ea typeface="楷体" charset="-122"/>
               </a:rPr>
-              <a:t>在</a:t>
+              <a:t>在高度为 </a:t>
+            </a:r>
+            <a:r>
+              <a:rPr lang="en-US" altLang="zh-CN" sz="2000" dirty="0">
+                <a:latin typeface="Times New Roman" charset="0"/>
+                <a:ea typeface="楷体" charset="-122"/>
+              </a:rPr>
+              <a:t>2 </a:t>
             </a:r>
             <a:r>
               <a:rPr lang="zh-CN" altLang="en-US" sz="2000" dirty="0">
                 <a:latin typeface="Times New Roman" charset="0"/>
                 <a:ea typeface="楷体" charset="-122"/>
               </a:rPr>
-              <a:t>高度为 </a:t>
+              <a:t>的地方发现了 </a:t>
             </a:r>
             <a:r>
               <a:rPr lang="en-US" altLang="zh-CN" sz="2000" dirty="0">
                 <a:latin typeface="Times New Roman" charset="0"/>
                 <a:ea typeface="楷体" charset="-122"/>
               </a:rPr>
-              <a:t>2 </a:t>
+              <a:t>C2 </a:t>
             </a:r>
             <a:r>
               <a:rPr lang="zh-CN" altLang="en-US" sz="2000" dirty="0">
                 <a:latin typeface="Times New Roman" charset="0"/>
                 <a:ea typeface="楷体" charset="-122"/>
               </a:rPr>
-              <a:t>的地方发现了 </a:t>
+              <a:t>的梯子，于是跳到了高度为 </a:t>
             </a:r>
             <a:r>
               <a:rPr lang="en-US" altLang="zh-CN" sz="2000" dirty="0">
                 <a:latin typeface="Times New Roman" charset="0"/>
                 <a:ea typeface="楷体" charset="-122"/>
               </a:rPr>
-              <a:t>C2 </a:t>
+              <a:t>4 </a:t>
             </a:r>
             <a:r>
               <a:rPr lang="zh-CN" altLang="en-US" sz="2000" dirty="0">
                 <a:latin typeface="Times New Roman" charset="0"/>
                 <a:ea typeface="楷体" charset="-122"/>
               </a:rPr>
-              <a:t>的梯子，于是跳到了高度为 </a:t>
-            </a:r>
-            <a:r>
-              <a:rPr lang="en-US" altLang="zh-CN" sz="2000" dirty="0">
-                <a:latin typeface="Times New Roman" charset="0"/>
-                <a:ea typeface="楷体" charset="-122"/>
-              </a:rPr>
-              <a:t>4 </a:t>
-            </a:r>
-            <a:r>
-              <a:rPr lang="zh-CN" altLang="en-US" sz="2000" dirty="0">
-                <a:latin typeface="Times New Roman" charset="0"/>
-                <a:ea typeface="楷体" charset="-122"/>
-              </a:rPr>
-              <a:t>的地方</a:t>
-            </a:r>
-            <a:r>
-              <a:rPr lang="zh-CN" altLang="en-US" sz="2000" dirty="0">
-                <a:latin typeface="Times New Roman" charset="0"/>
-                <a:ea typeface="楷体" charset="-122"/>
-              </a:rPr>
-              <a:t>。</a:t>
+              <a:t>的地方。</a:t>
             </a:r>
             <a:endParaRPr lang="en-US" altLang="zh-CN" sz="2000" dirty="0">
               <a:latin typeface="Times New Roman" charset="0"/>
@@ -11848,14 +11618,7 @@
                 <a:latin typeface="Times New Roman" charset="0"/>
                 <a:ea typeface="楷体" charset="-122"/>
               </a:rPr>
-              <a:t>在</a:t>
-            </a:r>
-            <a:r>
-              <a:rPr lang="zh-CN" altLang="en-US" sz="2000" dirty="0">
-                <a:latin typeface="Times New Roman" charset="0"/>
-                <a:ea typeface="楷体" charset="-122"/>
-              </a:rPr>
-              <a:t>高度为 </a:t>
+              <a:t>在高度为 </a:t>
             </a:r>
             <a:r>
               <a:rPr lang="en-US" altLang="zh-CN" sz="2000" dirty="0">
@@ -11960,44 +11723,26 @@
           <a:lstStyle/>
           <a:p>
             <a:r>
-              <a:rPr kumimoji="1" lang="zh-CN" altLang="en-US" sz="2400" dirty="0" smtClean="0">
+              <a:rPr kumimoji="1" lang="zh-CN" altLang="en-US" sz="2400" dirty="0">
                 <a:latin typeface="Times New Roman" charset="0"/>
                 <a:ea typeface="黑体" charset="-122"/>
               </a:rPr>
-              <a:t>树状数组</a:t>
-            </a:r>
-            <a:r>
-              <a:rPr kumimoji="1" lang="zh-CN" altLang="en-US" sz="2400" dirty="0" smtClean="0">
+              <a:t>树状数组简介（</a:t>
+            </a:r>
+            <a:r>
+              <a:rPr kumimoji="1" lang="en-US" altLang="zh-CN" sz="2400" dirty="0">
                 <a:latin typeface="Times New Roman" charset="0"/>
                 <a:ea typeface="黑体" charset="-122"/>
               </a:rPr>
-              <a:t>简介</a:t>
-            </a:r>
-            <a:r>
-              <a:rPr kumimoji="1" lang="zh-CN" altLang="en-US" sz="2400" dirty="0" smtClean="0">
+              <a:t>5</a:t>
+            </a:r>
+            <a:r>
+              <a:rPr kumimoji="1" lang="zh-CN" altLang="en-US" sz="2400" dirty="0">
                 <a:latin typeface="Times New Roman" charset="0"/>
                 <a:ea typeface="黑体" charset="-122"/>
               </a:rPr>
-              <a:t>（</a:t>
-            </a:r>
-            <a:r>
-              <a:rPr kumimoji="1" lang="en-US" altLang="zh-CN" sz="2400" dirty="0" smtClean="0">
-                <a:latin typeface="Times New Roman" charset="0"/>
-                <a:ea typeface="黑体" charset="-122"/>
-              </a:rPr>
-              <a:t>5</a:t>
-            </a:r>
-            <a:r>
-              <a:rPr kumimoji="1" lang="zh-CN" altLang="en-US" sz="2400" dirty="0" smtClean="0">
-                <a:latin typeface="Times New Roman" charset="0"/>
-                <a:ea typeface="黑体" charset="-122"/>
-              </a:rPr>
               <a:t>）</a:t>
             </a:r>
-            <a:endParaRPr kumimoji="1" lang="zh-CN" altLang="en-US" sz="2400" dirty="0">
-              <a:latin typeface="Times New Roman" charset="0"/>
-              <a:ea typeface="黑体" charset="-122"/>
-            </a:endParaRPr>
           </a:p>
         </p:txBody>
       </p:sp>
@@ -12011,13 +11756,6 @@
   <p:clrMapOvr>
     <a:masterClrMapping/>
   </p:clrMapOvr>
-  <p:timing>
-    <p:tnLst>
-      <p:par>
-        <p:cTn id="1" dur="indefinite" restart="never" nodeType="tmRoot"/>
-      </p:par>
-    </p:tnLst>
-  </p:timing>
 </p:sld>
 </file>
 
@@ -12129,10 +11867,6 @@
               </a:rPr>
               <a:t>的梯子。</a:t>
             </a:r>
-            <a:endParaRPr lang="zh-CN" altLang="en-US" sz="2000" dirty="0">
-              <a:latin typeface="Times New Roman" charset="0"/>
-              <a:ea typeface="楷体" charset="-122"/>
-            </a:endParaRPr>
           </a:p>
         </p:txBody>
       </p:sp>
@@ -12194,44 +11928,26 @@
           <a:lstStyle/>
           <a:p>
             <a:r>
-              <a:rPr kumimoji="1" lang="zh-CN" altLang="en-US" sz="2400" dirty="0" smtClean="0">
+              <a:rPr kumimoji="1" lang="zh-CN" altLang="en-US" sz="2400" dirty="0">
                 <a:latin typeface="Times New Roman" charset="0"/>
                 <a:ea typeface="黑体" charset="-122"/>
               </a:rPr>
-              <a:t>树状数组</a:t>
-            </a:r>
-            <a:r>
-              <a:rPr kumimoji="1" lang="zh-CN" altLang="en-US" sz="2400" dirty="0" smtClean="0">
+              <a:t>树状数组简介（</a:t>
+            </a:r>
+            <a:r>
+              <a:rPr kumimoji="1" lang="en-US" altLang="zh-CN" sz="2400" dirty="0">
                 <a:latin typeface="Times New Roman" charset="0"/>
                 <a:ea typeface="黑体" charset="-122"/>
               </a:rPr>
-              <a:t>简介</a:t>
-            </a:r>
-            <a:r>
-              <a:rPr kumimoji="1" lang="zh-CN" altLang="en-US" sz="2400" dirty="0" smtClean="0">
+              <a:t>6</a:t>
+            </a:r>
+            <a:r>
+              <a:rPr kumimoji="1" lang="zh-CN" altLang="en-US" sz="2400" dirty="0">
                 <a:latin typeface="Times New Roman" charset="0"/>
                 <a:ea typeface="黑体" charset="-122"/>
               </a:rPr>
-              <a:t>（</a:t>
-            </a:r>
-            <a:r>
-              <a:rPr kumimoji="1" lang="en-US" altLang="zh-CN" sz="2400" dirty="0" smtClean="0">
-                <a:latin typeface="Times New Roman" charset="0"/>
-                <a:ea typeface="黑体" charset="-122"/>
-              </a:rPr>
-              <a:t>6</a:t>
-            </a:r>
-            <a:r>
-              <a:rPr kumimoji="1" lang="zh-CN" altLang="en-US" sz="2400" dirty="0" smtClean="0">
-                <a:latin typeface="Times New Roman" charset="0"/>
-                <a:ea typeface="黑体" charset="-122"/>
-              </a:rPr>
               <a:t>）</a:t>
             </a:r>
-            <a:endParaRPr kumimoji="1" lang="zh-CN" altLang="en-US" sz="2400" dirty="0">
-              <a:latin typeface="Times New Roman" charset="0"/>
-              <a:ea typeface="黑体" charset="-122"/>
-            </a:endParaRPr>
           </a:p>
         </p:txBody>
       </p:sp>
@@ -12269,13 +11985,6 @@
   <p:clrMapOvr>
     <a:masterClrMapping/>
   </p:clrMapOvr>
-  <p:timing>
-    <p:tnLst>
-      <p:par>
-        <p:cTn id="1" dur="indefinite" restart="never" nodeType="tmRoot"/>
-      </p:par>
-    </p:tnLst>
-  </p:timing>
 </p:sld>
 </file>
 
@@ -12492,10 +12201,6 @@
               </a:rPr>
               <a:t>的梯子。</a:t>
             </a:r>
-            <a:endParaRPr lang="zh-CN" altLang="en-US" sz="2000" dirty="0">
-              <a:latin typeface="Times New Roman" charset="0"/>
-              <a:ea typeface="楷体" charset="-122"/>
-            </a:endParaRPr>
           </a:p>
         </p:txBody>
       </p:sp>
@@ -12557,44 +12262,26 @@
           <a:lstStyle/>
           <a:p>
             <a:r>
-              <a:rPr kumimoji="1" lang="zh-CN" altLang="en-US" sz="2400" dirty="0" smtClean="0">
+              <a:rPr kumimoji="1" lang="zh-CN" altLang="en-US" sz="2400" dirty="0">
                 <a:latin typeface="Times New Roman" charset="0"/>
                 <a:ea typeface="黑体" charset="-122"/>
               </a:rPr>
-              <a:t>树状数组</a:t>
-            </a:r>
-            <a:r>
-              <a:rPr kumimoji="1" lang="zh-CN" altLang="en-US" sz="2400" dirty="0" smtClean="0">
+              <a:t>树状数组简介（</a:t>
+            </a:r>
+            <a:r>
+              <a:rPr kumimoji="1" lang="en-US" altLang="zh-CN" sz="2400" dirty="0">
                 <a:latin typeface="Times New Roman" charset="0"/>
                 <a:ea typeface="黑体" charset="-122"/>
               </a:rPr>
-              <a:t>简介</a:t>
-            </a:r>
-            <a:r>
-              <a:rPr kumimoji="1" lang="zh-CN" altLang="en-US" sz="2400" dirty="0" smtClean="0">
+              <a:t>7</a:t>
+            </a:r>
+            <a:r>
+              <a:rPr kumimoji="1" lang="zh-CN" altLang="en-US" sz="2400" dirty="0">
                 <a:latin typeface="Times New Roman" charset="0"/>
                 <a:ea typeface="黑体" charset="-122"/>
               </a:rPr>
-              <a:t>（</a:t>
-            </a:r>
-            <a:r>
-              <a:rPr kumimoji="1" lang="en-US" altLang="zh-CN" sz="2400" dirty="0" smtClean="0">
-                <a:latin typeface="Times New Roman" charset="0"/>
-                <a:ea typeface="黑体" charset="-122"/>
-              </a:rPr>
-              <a:t>7</a:t>
-            </a:r>
-            <a:r>
-              <a:rPr kumimoji="1" lang="zh-CN" altLang="en-US" sz="2400" dirty="0" smtClean="0">
-                <a:latin typeface="Times New Roman" charset="0"/>
-                <a:ea typeface="黑体" charset="-122"/>
-              </a:rPr>
               <a:t>）</a:t>
             </a:r>
-            <a:endParaRPr kumimoji="1" lang="zh-CN" altLang="en-US" sz="2400" dirty="0">
-              <a:latin typeface="Times New Roman" charset="0"/>
-              <a:ea typeface="黑体" charset="-122"/>
-            </a:endParaRPr>
           </a:p>
         </p:txBody>
       </p:sp>
@@ -12608,13 +12295,6 @@
   <p:clrMapOvr>
     <a:masterClrMapping/>
   </p:clrMapOvr>
-  <p:timing>
-    <p:tnLst>
-      <p:par>
-        <p:cTn id="1" dur="indefinite" restart="never" nodeType="tmRoot"/>
-      </p:par>
-    </p:tnLst>
-  </p:timing>
 </p:sld>
 </file>
 
@@ -12710,28 +12390,7 @@
                 <a:latin typeface="Times New Roman" charset="0"/>
                 <a:ea typeface="楷体" charset="-122"/>
               </a:rPr>
-              <a:t>的</a:t>
-            </a:r>
-            <a:r>
-              <a:rPr lang="zh-CN" altLang="en-US" sz="2000" dirty="0">
-                <a:latin typeface="Times New Roman" charset="0"/>
-                <a:ea typeface="楷体" charset="-122"/>
-              </a:rPr>
-              <a:t>动作</a:t>
-            </a:r>
-            <a:r>
-              <a:rPr lang="zh-CN" altLang="en-US" sz="2000" dirty="0" smtClean="0">
-                <a:latin typeface="Times New Roman" charset="0"/>
-                <a:ea typeface="楷体" charset="-122"/>
-              </a:rPr>
-              <a:t>，放</a:t>
-            </a:r>
-            <a:r>
-              <a:rPr lang="zh-CN" altLang="en-US" sz="2000" dirty="0">
-                <a:latin typeface="Times New Roman" charset="0"/>
-                <a:ea typeface="楷体" charset="-122"/>
-              </a:rPr>
-              <a:t>了一个高度为 </a:t>
+              <a:t>的动作，放了一个高度为 </a:t>
             </a:r>
             <a:r>
               <a:rPr lang="en-US" altLang="zh-CN" sz="2000" dirty="0">
@@ -12822,44 +12481,26 @@
           <a:lstStyle/>
           <a:p>
             <a:r>
-              <a:rPr kumimoji="1" lang="zh-CN" altLang="en-US" sz="2400" dirty="0" smtClean="0">
+              <a:rPr kumimoji="1" lang="zh-CN" altLang="en-US" sz="2400" dirty="0">
                 <a:latin typeface="Times New Roman" charset="0"/>
                 <a:ea typeface="黑体" charset="-122"/>
               </a:rPr>
-              <a:t>树状数组</a:t>
-            </a:r>
-            <a:r>
-              <a:rPr kumimoji="1" lang="zh-CN" altLang="en-US" sz="2400" dirty="0" smtClean="0">
+              <a:t>树状数组简介（</a:t>
+            </a:r>
+            <a:r>
+              <a:rPr kumimoji="1" lang="en-US" altLang="zh-CN" sz="2400" dirty="0">
                 <a:latin typeface="Times New Roman" charset="0"/>
                 <a:ea typeface="黑体" charset="-122"/>
               </a:rPr>
-              <a:t>简介</a:t>
-            </a:r>
-            <a:r>
-              <a:rPr kumimoji="1" lang="zh-CN" altLang="en-US" sz="2400" dirty="0" smtClean="0">
+              <a:t>8</a:t>
+            </a:r>
+            <a:r>
+              <a:rPr kumimoji="1" lang="zh-CN" altLang="en-US" sz="2400" dirty="0">
                 <a:latin typeface="Times New Roman" charset="0"/>
                 <a:ea typeface="黑体" charset="-122"/>
               </a:rPr>
-              <a:t>（</a:t>
-            </a:r>
-            <a:r>
-              <a:rPr kumimoji="1" lang="en-US" altLang="zh-CN" sz="2400" dirty="0" smtClean="0">
-                <a:latin typeface="Times New Roman" charset="0"/>
-                <a:ea typeface="黑体" charset="-122"/>
-              </a:rPr>
-              <a:t>8</a:t>
-            </a:r>
-            <a:r>
-              <a:rPr kumimoji="1" lang="zh-CN" altLang="en-US" sz="2400" dirty="0" smtClean="0">
-                <a:latin typeface="Times New Roman" charset="0"/>
-                <a:ea typeface="黑体" charset="-122"/>
-              </a:rPr>
               <a:t>）</a:t>
             </a:r>
-            <a:endParaRPr kumimoji="1" lang="zh-CN" altLang="en-US" sz="2400" dirty="0">
-              <a:latin typeface="Times New Roman" charset="0"/>
-              <a:ea typeface="黑体" charset="-122"/>
-            </a:endParaRPr>
           </a:p>
         </p:txBody>
       </p:sp>
@@ -12897,13 +12538,6 @@
   <p:clrMapOvr>
     <a:masterClrMapping/>
   </p:clrMapOvr>
-  <p:timing>
-    <p:tnLst>
-      <p:par>
-        <p:cTn id="1" dur="indefinite" restart="never" nodeType="tmRoot"/>
-      </p:par>
-    </p:tnLst>
-  </p:timing>
 </p:sld>
 </file>
 
@@ -13218,14 +12852,7 @@
                 <a:latin typeface="Times New Roman" charset="0"/>
                 <a:ea typeface="楷体" charset="-122"/>
               </a:rPr>
-              <a:t> 放置</a:t>
-            </a:r>
-            <a:r>
-              <a:rPr lang="zh-CN" altLang="en-US" sz="2000" dirty="0">
-                <a:latin typeface="Times New Roman" charset="0"/>
-                <a:ea typeface="楷体" charset="-122"/>
-              </a:rPr>
-              <a:t>了宽度为 </a:t>
+              <a:t> 放置了宽度为 </a:t>
             </a:r>
             <a:r>
               <a:rPr lang="en-US" altLang="zh-CN" sz="2000" dirty="0">
@@ -13316,44 +12943,26 @@
           <a:lstStyle/>
           <a:p>
             <a:r>
-              <a:rPr kumimoji="1" lang="zh-CN" altLang="en-US" sz="2400" dirty="0" smtClean="0">
+              <a:rPr kumimoji="1" lang="zh-CN" altLang="en-US" sz="2400" dirty="0">
                 <a:latin typeface="Times New Roman" charset="0"/>
                 <a:ea typeface="黑体" charset="-122"/>
               </a:rPr>
-              <a:t>树状数组</a:t>
-            </a:r>
-            <a:r>
-              <a:rPr kumimoji="1" lang="zh-CN" altLang="en-US" sz="2400" dirty="0" smtClean="0">
+              <a:t>树状数组简介（</a:t>
+            </a:r>
+            <a:r>
+              <a:rPr kumimoji="1" lang="en-US" altLang="zh-CN" sz="2400" dirty="0">
                 <a:latin typeface="Times New Roman" charset="0"/>
                 <a:ea typeface="黑体" charset="-122"/>
               </a:rPr>
-              <a:t>简介</a:t>
-            </a:r>
-            <a:r>
-              <a:rPr kumimoji="1" lang="zh-CN" altLang="en-US" sz="2400" dirty="0" smtClean="0">
+              <a:t>9</a:t>
+            </a:r>
+            <a:r>
+              <a:rPr kumimoji="1" lang="zh-CN" altLang="en-US" sz="2400" dirty="0">
                 <a:latin typeface="Times New Roman" charset="0"/>
                 <a:ea typeface="黑体" charset="-122"/>
               </a:rPr>
-              <a:t>（</a:t>
-            </a:r>
-            <a:r>
-              <a:rPr kumimoji="1" lang="en-US" altLang="zh-CN" sz="2400" dirty="0" smtClean="0">
-                <a:latin typeface="Times New Roman" charset="0"/>
-                <a:ea typeface="黑体" charset="-122"/>
-              </a:rPr>
-              <a:t>9</a:t>
-            </a:r>
-            <a:r>
-              <a:rPr kumimoji="1" lang="zh-CN" altLang="en-US" sz="2400" dirty="0" smtClean="0">
-                <a:latin typeface="Times New Roman" charset="0"/>
-                <a:ea typeface="黑体" charset="-122"/>
-              </a:rPr>
               <a:t>）</a:t>
             </a:r>
-            <a:endParaRPr kumimoji="1" lang="zh-CN" altLang="en-US" sz="2400" dirty="0">
-              <a:latin typeface="Times New Roman" charset="0"/>
-              <a:ea typeface="黑体" charset="-122"/>
-            </a:endParaRPr>
           </a:p>
         </p:txBody>
       </p:sp>
@@ -13426,13 +13035,6 @@
   <p:clrMapOvr>
     <a:masterClrMapping/>
   </p:clrMapOvr>
-  <p:timing>
-    <p:tnLst>
-      <p:par>
-        <p:cTn id="1" dur="indefinite" restart="never" nodeType="tmRoot"/>
-      </p:par>
-    </p:tnLst>
-  </p:timing>
 </p:sld>
 </file>
 
